--- a/lab logo.pptx
+++ b/lab logo.pptx
@@ -6,6 +6,7 @@
   </p:sldMasterIdLst>
   <p:sldIdLst>
     <p:sldId id="256" r:id="rId2"/>
+    <p:sldId id="257" r:id="rId3"/>
   </p:sldIdLst>
   <p:sldSz cx="12192000" cy="6858000"/>
   <p:notesSz cx="6858000" cy="9144000"/>
@@ -104,6 +105,11 @@
       </a:defRPr>
     </a:lvl9pPr>
   </p:defaultTextStyle>
+  <p:extLst>
+    <p:ext uri="{EFAFB233-063F-42B5-8137-9DF3F51BA10A}">
+      <p15:sldGuideLst xmlns:p15="http://schemas.microsoft.com/office/powerpoint/2012/main"/>
+    </p:ext>
+  </p:extLst>
 </p:presentation>
 </file>
 
@@ -3472,6 +3478,36 @@
     <p:extLst>
       <p:ext uri="{BB962C8B-B14F-4D97-AF65-F5344CB8AC3E}">
         <p14:creationId xmlns:p14="http://schemas.microsoft.com/office/powerpoint/2010/main" val="2644267285"/>
+      </p:ext>
+    </p:extLst>
+  </p:cSld>
+  <p:clrMapOvr>
+    <a:masterClrMapping/>
+  </p:clrMapOvr>
+</p:sld>
+</file>
+
+<file path=ppt/slides/slide2.xml><?xml version="1.0" encoding="utf-8"?>
+<p:sld xmlns:a="http://schemas.openxmlformats.org/drawingml/2006/main" xmlns:r="http://schemas.openxmlformats.org/officeDocument/2006/relationships" xmlns:p="http://schemas.openxmlformats.org/presentationml/2006/main">
+  <p:cSld>
+    <p:spTree>
+      <p:nvGrpSpPr>
+        <p:cNvPr id="1" name=""/>
+        <p:cNvGrpSpPr/>
+        <p:nvPr/>
+      </p:nvGrpSpPr>
+      <p:grpSpPr>
+        <a:xfrm>
+          <a:off x="0" y="0"/>
+          <a:ext cx="0" cy="0"/>
+          <a:chOff x="0" y="0"/>
+          <a:chExt cx="0" cy="0"/>
+        </a:xfrm>
+      </p:grpSpPr>
+    </p:spTree>
+    <p:extLst>
+      <p:ext uri="{BB962C8B-B14F-4D97-AF65-F5344CB8AC3E}">
+        <p14:creationId xmlns:p14="http://schemas.microsoft.com/office/powerpoint/2010/main" val="3970067254"/>
       </p:ext>
     </p:extLst>
   </p:cSld>

--- a/lab logo.pptx
+++ b/lab logo.pptx
@@ -3504,6 +3504,966 @@
           <a:chExt cx="0" cy="0"/>
         </a:xfrm>
       </p:grpSpPr>
+      <p:grpSp>
+        <p:nvGrpSpPr>
+          <p:cNvPr id="8" name="组合 7">
+            <a:extLst>
+              <a:ext uri="{FF2B5EF4-FFF2-40B4-BE49-F238E27FC236}">
+                <a16:creationId xmlns:a16="http://schemas.microsoft.com/office/drawing/2014/main" id="{7FC0AA39-2FD5-7217-723D-63185D1F1D96}"/>
+              </a:ext>
+            </a:extLst>
+          </p:cNvPr>
+          <p:cNvGrpSpPr/>
+          <p:nvPr/>
+        </p:nvGrpSpPr>
+        <p:grpSpPr>
+          <a:xfrm>
+            <a:off x="3454399" y="1504950"/>
+            <a:ext cx="6338957" cy="2946676"/>
+            <a:chOff x="3454399" y="1504950"/>
+            <a:chExt cx="6338957" cy="2946676"/>
+          </a:xfrm>
+          <a:gradFill flip="none" rotWithShape="1">
+            <a:gsLst>
+              <a:gs pos="0">
+                <a:schemeClr val="accent4">
+                  <a:lumMod val="20000"/>
+                  <a:lumOff val="80000"/>
+                  <a:alpha val="52000"/>
+                </a:schemeClr>
+              </a:gs>
+              <a:gs pos="45000">
+                <a:srgbClr val="53C5F3"/>
+              </a:gs>
+              <a:gs pos="79000">
+                <a:srgbClr val="86E089">
+                  <a:alpha val="70000"/>
+                </a:srgbClr>
+              </a:gs>
+              <a:gs pos="22000">
+                <a:srgbClr val="9BDEF8">
+                  <a:alpha val="54000"/>
+                </a:srgbClr>
+              </a:gs>
+              <a:gs pos="61000">
+                <a:srgbClr val="2DC142"/>
+              </a:gs>
+              <a:gs pos="100000">
+                <a:schemeClr val="accent6">
+                  <a:lumMod val="30000"/>
+                  <a:lumOff val="70000"/>
+                  <a:alpha val="69000"/>
+                </a:schemeClr>
+              </a:gs>
+            </a:gsLst>
+            <a:lin ang="5400000" scaled="1"/>
+            <a:tileRect/>
+          </a:gradFill>
+        </p:grpSpPr>
+        <p:sp>
+          <p:nvSpPr>
+            <p:cNvPr id="2" name="矩形 1">
+              <a:extLst>
+                <a:ext uri="{FF2B5EF4-FFF2-40B4-BE49-F238E27FC236}">
+                  <a16:creationId xmlns:a16="http://schemas.microsoft.com/office/drawing/2014/main" id="{AC02A78D-A410-D651-1D40-5BF17E3AE209}"/>
+                </a:ext>
+              </a:extLst>
+            </p:cNvPr>
+            <p:cNvSpPr/>
+            <p:nvPr/>
+          </p:nvSpPr>
+          <p:spPr>
+            <a:xfrm>
+              <a:off x="3454399" y="1504950"/>
+              <a:ext cx="6338957" cy="806450"/>
+            </a:xfrm>
+            <a:prstGeom prst="rect">
+              <a:avLst/>
+            </a:prstGeom>
+            <a:grpFill/>
+            <a:ln>
+              <a:noFill/>
+            </a:ln>
+          </p:spPr>
+          <p:style>
+            <a:lnRef idx="2">
+              <a:schemeClr val="accent1">
+                <a:shade val="15000"/>
+              </a:schemeClr>
+            </a:lnRef>
+            <a:fillRef idx="1">
+              <a:schemeClr val="accent1"/>
+            </a:fillRef>
+            <a:effectRef idx="0">
+              <a:schemeClr val="accent1"/>
+            </a:effectRef>
+            <a:fontRef idx="minor">
+              <a:schemeClr val="lt1"/>
+            </a:fontRef>
+          </p:style>
+          <p:txBody>
+            <a:bodyPr rtlCol="0" anchor="ctr"/>
+            <a:lstStyle/>
+            <a:p>
+              <a:pPr algn="ctr"/>
+              <a:r>
+                <a:rPr lang="en-US" altLang="zh-CN" sz="1600" dirty="0">
+                  <a:solidFill>
+                    <a:schemeClr val="tx1"/>
+                  </a:solidFill>
+                </a:rPr>
+                <a:t>Trustworthy AI Assistants</a:t>
+              </a:r>
+            </a:p>
+            <a:p>
+              <a:pPr algn="ctr"/>
+              <a:r>
+                <a:rPr lang="en-US" altLang="zh-CN" sz="1600" b="1" i="1" dirty="0">
+                  <a:solidFill>
+                    <a:schemeClr val="tx1"/>
+                  </a:solidFill>
+                </a:rPr>
+                <a:t>Systematic Design</a:t>
+              </a:r>
+              <a:endParaRPr lang="zh-CN" altLang="en-US" sz="1600" b="1" i="1" dirty="0">
+                <a:solidFill>
+                  <a:schemeClr val="tx1"/>
+                </a:solidFill>
+              </a:endParaRPr>
+            </a:p>
+          </p:txBody>
+        </p:sp>
+        <p:sp>
+          <p:nvSpPr>
+            <p:cNvPr id="4" name="矩形 3">
+              <a:extLst>
+                <a:ext uri="{FF2B5EF4-FFF2-40B4-BE49-F238E27FC236}">
+                  <a16:creationId xmlns:a16="http://schemas.microsoft.com/office/drawing/2014/main" id="{F1EF0B79-4C4E-6562-1CBA-09223285EDAC}"/>
+                </a:ext>
+              </a:extLst>
+            </p:cNvPr>
+            <p:cNvSpPr/>
+            <p:nvPr/>
+          </p:nvSpPr>
+          <p:spPr>
+            <a:xfrm>
+              <a:off x="3454399" y="2575063"/>
+              <a:ext cx="6338957" cy="806450"/>
+            </a:xfrm>
+            <a:prstGeom prst="rect">
+              <a:avLst/>
+            </a:prstGeom>
+            <a:grpFill/>
+            <a:ln>
+              <a:noFill/>
+            </a:ln>
+          </p:spPr>
+          <p:style>
+            <a:lnRef idx="2">
+              <a:schemeClr val="accent1">
+                <a:shade val="15000"/>
+              </a:schemeClr>
+            </a:lnRef>
+            <a:fillRef idx="1">
+              <a:schemeClr val="accent1"/>
+            </a:fillRef>
+            <a:effectRef idx="0">
+              <a:schemeClr val="accent1"/>
+            </a:effectRef>
+            <a:fontRef idx="minor">
+              <a:schemeClr val="lt1"/>
+            </a:fontRef>
+          </p:style>
+          <p:txBody>
+            <a:bodyPr rtlCol="0" anchor="ctr"/>
+            <a:lstStyle/>
+            <a:p>
+              <a:pPr algn="ctr"/>
+              <a:r>
+                <a:rPr lang="en-US" altLang="zh-CN" sz="1600" b="1" dirty="0">
+                  <a:solidFill>
+                    <a:schemeClr val="bg1"/>
+                  </a:solidFill>
+                </a:rPr>
+                <a:t>Natural Language Processing</a:t>
+              </a:r>
+              <a:endParaRPr lang="zh-CN" altLang="en-US" sz="1600" b="1" i="1" dirty="0">
+                <a:solidFill>
+                  <a:schemeClr val="bg1"/>
+                </a:solidFill>
+              </a:endParaRPr>
+            </a:p>
+          </p:txBody>
+        </p:sp>
+        <p:sp>
+          <p:nvSpPr>
+            <p:cNvPr id="5" name="矩形 4">
+              <a:extLst>
+                <a:ext uri="{FF2B5EF4-FFF2-40B4-BE49-F238E27FC236}">
+                  <a16:creationId xmlns:a16="http://schemas.microsoft.com/office/drawing/2014/main" id="{5FD9347F-4E6F-F079-0467-57386FF1C34B}"/>
+                </a:ext>
+              </a:extLst>
+            </p:cNvPr>
+            <p:cNvSpPr/>
+            <p:nvPr/>
+          </p:nvSpPr>
+          <p:spPr>
+            <a:xfrm>
+              <a:off x="3454399" y="3645176"/>
+              <a:ext cx="6338957" cy="806450"/>
+            </a:xfrm>
+            <a:prstGeom prst="rect">
+              <a:avLst/>
+            </a:prstGeom>
+            <a:grpFill/>
+            <a:ln>
+              <a:noFill/>
+            </a:ln>
+          </p:spPr>
+          <p:style>
+            <a:lnRef idx="2">
+              <a:schemeClr val="accent1">
+                <a:shade val="15000"/>
+              </a:schemeClr>
+            </a:lnRef>
+            <a:fillRef idx="1">
+              <a:schemeClr val="accent1"/>
+            </a:fillRef>
+            <a:effectRef idx="0">
+              <a:schemeClr val="accent1"/>
+            </a:effectRef>
+            <a:fontRef idx="minor">
+              <a:schemeClr val="lt1"/>
+            </a:fontRef>
+          </p:style>
+          <p:txBody>
+            <a:bodyPr rtlCol="0" anchor="ctr"/>
+            <a:lstStyle/>
+            <a:p>
+              <a:pPr algn="ctr"/>
+              <a:r>
+                <a:rPr lang="en-US" altLang="zh-CN" sz="1600" dirty="0">
+                  <a:solidFill>
+                    <a:schemeClr val="tx1"/>
+                  </a:solidFill>
+                </a:rPr>
+                <a:t>Large Foundation Models</a:t>
+              </a:r>
+            </a:p>
+            <a:p>
+              <a:pPr algn="ctr"/>
+              <a:r>
+                <a:rPr lang="en-US" altLang="zh-CN" sz="1600" b="1" i="1" dirty="0">
+                  <a:solidFill>
+                    <a:schemeClr val="tx1"/>
+                  </a:solidFill>
+                </a:rPr>
+                <a:t>Fundamental Innovation</a:t>
+              </a:r>
+              <a:endParaRPr lang="zh-CN" altLang="en-US" sz="1600" b="1" i="1" dirty="0">
+                <a:solidFill>
+                  <a:schemeClr val="tx1"/>
+                </a:solidFill>
+              </a:endParaRPr>
+            </a:p>
+          </p:txBody>
+        </p:sp>
+      </p:grpSp>
+      <p:sp>
+        <p:nvSpPr>
+          <p:cNvPr id="12" name="矩形 11">
+            <a:extLst>
+              <a:ext uri="{FF2B5EF4-FFF2-40B4-BE49-F238E27FC236}">
+                <a16:creationId xmlns:a16="http://schemas.microsoft.com/office/drawing/2014/main" id="{5B9C11C4-8A79-9FCB-2CA9-61DDBC27B732}"/>
+              </a:ext>
+            </a:extLst>
+          </p:cNvPr>
+          <p:cNvSpPr/>
+          <p:nvPr/>
+        </p:nvSpPr>
+        <p:spPr>
+          <a:xfrm>
+            <a:off x="3454398" y="1504950"/>
+            <a:ext cx="6338957" cy="2946676"/>
+          </a:xfrm>
+          <a:prstGeom prst="rect">
+            <a:avLst/>
+          </a:prstGeom>
+          <a:gradFill flip="none" rotWithShape="1">
+            <a:gsLst>
+              <a:gs pos="60000">
+                <a:srgbClr val="FFFFFF">
+                  <a:alpha val="27000"/>
+                </a:srgbClr>
+              </a:gs>
+              <a:gs pos="0">
+                <a:schemeClr val="bg1">
+                  <a:alpha val="0"/>
+                </a:schemeClr>
+              </a:gs>
+              <a:gs pos="73400">
+                <a:srgbClr val="FFFFFF"/>
+              </a:gs>
+              <a:gs pos="100000">
+                <a:schemeClr val="bg1"/>
+              </a:gs>
+            </a:gsLst>
+            <a:path path="circle">
+              <a:fillToRect l="50000" t="50000" r="50000" b="50000"/>
+            </a:path>
+            <a:tileRect/>
+          </a:gradFill>
+          <a:ln>
+            <a:noFill/>
+          </a:ln>
+        </p:spPr>
+        <p:style>
+          <a:lnRef idx="2">
+            <a:schemeClr val="accent1">
+              <a:shade val="15000"/>
+            </a:schemeClr>
+          </a:lnRef>
+          <a:fillRef idx="1">
+            <a:schemeClr val="accent1"/>
+          </a:fillRef>
+          <a:effectRef idx="0">
+            <a:schemeClr val="accent1"/>
+          </a:effectRef>
+          <a:fontRef idx="minor">
+            <a:schemeClr val="lt1"/>
+          </a:fontRef>
+        </p:style>
+        <p:txBody>
+          <a:bodyPr rtlCol="0" anchor="ctr"/>
+          <a:lstStyle/>
+          <a:p>
+            <a:pPr algn="ctr"/>
+            <a:endParaRPr lang="zh-CN" altLang="en-US"/>
+          </a:p>
+        </p:txBody>
+      </p:sp>
+      <p:grpSp>
+        <p:nvGrpSpPr>
+          <p:cNvPr id="16" name="组合 15">
+            <a:extLst>
+              <a:ext uri="{FF2B5EF4-FFF2-40B4-BE49-F238E27FC236}">
+                <a16:creationId xmlns:a16="http://schemas.microsoft.com/office/drawing/2014/main" id="{C2F3FFB1-E3D4-4DA0-9FE4-2C80010EC6E6}"/>
+              </a:ext>
+            </a:extLst>
+          </p:cNvPr>
+          <p:cNvGrpSpPr/>
+          <p:nvPr/>
+        </p:nvGrpSpPr>
+        <p:grpSpPr>
+          <a:xfrm flipH="1">
+            <a:off x="7696829" y="1657346"/>
+            <a:ext cx="1135464" cy="2475229"/>
+            <a:chOff x="9260497" y="4478020"/>
+            <a:chExt cx="1463467" cy="1750059"/>
+          </a:xfrm>
+        </p:grpSpPr>
+        <p:sp>
+          <p:nvSpPr>
+            <p:cNvPr id="13" name="Freeform: Shape 37">
+              <a:extLst>
+                <a:ext uri="{FF2B5EF4-FFF2-40B4-BE49-F238E27FC236}">
+                  <a16:creationId xmlns:a16="http://schemas.microsoft.com/office/drawing/2014/main" id="{3402E177-159D-ED19-9DF4-FA98EB8A0BF8}"/>
+                </a:ext>
+              </a:extLst>
+            </p:cNvPr>
+            <p:cNvSpPr/>
+            <p:nvPr/>
+          </p:nvSpPr>
+          <p:spPr>
+            <a:xfrm>
+              <a:off x="9260497" y="4478020"/>
+              <a:ext cx="1065715" cy="1750059"/>
+            </a:xfrm>
+            <a:custGeom>
+              <a:avLst/>
+              <a:gdLst>
+                <a:gd name="connsiteX0" fmla="*/ 107952 w 1065715"/>
+                <a:gd name="connsiteY0" fmla="*/ 0 h 1750059"/>
+                <a:gd name="connsiteX1" fmla="*/ 1065715 w 1065715"/>
+                <a:gd name="connsiteY1" fmla="*/ 0 h 1750059"/>
+                <a:gd name="connsiteX2" fmla="*/ 1065715 w 1065715"/>
+                <a:gd name="connsiteY2" fmla="*/ 425449 h 1750059"/>
+                <a:gd name="connsiteX3" fmla="*/ 685801 w 1065715"/>
+                <a:gd name="connsiteY3" fmla="*/ 425449 h 1750059"/>
+                <a:gd name="connsiteX4" fmla="*/ 685801 w 1065715"/>
+                <a:gd name="connsiteY4" fmla="*/ 1441447 h 1750059"/>
+                <a:gd name="connsiteX5" fmla="*/ 685802 w 1065715"/>
+                <a:gd name="connsiteY5" fmla="*/ 1441447 h 1750059"/>
+                <a:gd name="connsiteX6" fmla="*/ 342902 w 1065715"/>
+                <a:gd name="connsiteY6" fmla="*/ 1750059 h 1750059"/>
+                <a:gd name="connsiteX7" fmla="*/ 2 w 1065715"/>
+                <a:gd name="connsiteY7" fmla="*/ 1441447 h 1750059"/>
+                <a:gd name="connsiteX8" fmla="*/ 1 w 1065715"/>
+                <a:gd name="connsiteY8" fmla="*/ 1441447 h 1750059"/>
+                <a:gd name="connsiteX9" fmla="*/ 1 w 1065715"/>
+                <a:gd name="connsiteY9" fmla="*/ 425449 h 1750059"/>
+                <a:gd name="connsiteX10" fmla="*/ 0 w 1065715"/>
+                <a:gd name="connsiteY10" fmla="*/ 425449 h 1750059"/>
+                <a:gd name="connsiteX11" fmla="*/ 0 w 1065715"/>
+                <a:gd name="connsiteY11" fmla="*/ 142705 h 1750059"/>
+                <a:gd name="connsiteX12" fmla="*/ 107952 w 1065715"/>
+                <a:gd name="connsiteY12" fmla="*/ 0 h 1750059"/>
+              </a:gdLst>
+              <a:ahLst/>
+              <a:cxnLst>
+                <a:cxn ang="0">
+                  <a:pos x="connsiteX0" y="connsiteY0"/>
+                </a:cxn>
+                <a:cxn ang="0">
+                  <a:pos x="connsiteX1" y="connsiteY1"/>
+                </a:cxn>
+                <a:cxn ang="0">
+                  <a:pos x="connsiteX2" y="connsiteY2"/>
+                </a:cxn>
+                <a:cxn ang="0">
+                  <a:pos x="connsiteX3" y="connsiteY3"/>
+                </a:cxn>
+                <a:cxn ang="0">
+                  <a:pos x="connsiteX4" y="connsiteY4"/>
+                </a:cxn>
+                <a:cxn ang="0">
+                  <a:pos x="connsiteX5" y="connsiteY5"/>
+                </a:cxn>
+                <a:cxn ang="0">
+                  <a:pos x="connsiteX6" y="connsiteY6"/>
+                </a:cxn>
+                <a:cxn ang="0">
+                  <a:pos x="connsiteX7" y="connsiteY7"/>
+                </a:cxn>
+                <a:cxn ang="0">
+                  <a:pos x="connsiteX8" y="connsiteY8"/>
+                </a:cxn>
+                <a:cxn ang="0">
+                  <a:pos x="connsiteX9" y="connsiteY9"/>
+                </a:cxn>
+                <a:cxn ang="0">
+                  <a:pos x="connsiteX10" y="connsiteY10"/>
+                </a:cxn>
+                <a:cxn ang="0">
+                  <a:pos x="connsiteX11" y="connsiteY11"/>
+                </a:cxn>
+                <a:cxn ang="0">
+                  <a:pos x="connsiteX12" y="connsiteY12"/>
+                </a:cxn>
+              </a:cxnLst>
+              <a:rect l="l" t="t" r="r" b="b"/>
+              <a:pathLst>
+                <a:path w="1065715" h="1750059">
+                  <a:moveTo>
+                    <a:pt x="107952" y="0"/>
+                  </a:moveTo>
+                  <a:lnTo>
+                    <a:pt x="1065715" y="0"/>
+                  </a:lnTo>
+                  <a:lnTo>
+                    <a:pt x="1065715" y="425449"/>
+                  </a:lnTo>
+                  <a:lnTo>
+                    <a:pt x="685801" y="425449"/>
+                  </a:lnTo>
+                  <a:lnTo>
+                    <a:pt x="685801" y="1441447"/>
+                  </a:lnTo>
+                  <a:lnTo>
+                    <a:pt x="685802" y="1441447"/>
+                  </a:lnTo>
+                  <a:lnTo>
+                    <a:pt x="342902" y="1750059"/>
+                  </a:lnTo>
+                  <a:lnTo>
+                    <a:pt x="2" y="1441447"/>
+                  </a:lnTo>
+                  <a:lnTo>
+                    <a:pt x="1" y="1441447"/>
+                  </a:lnTo>
+                  <a:lnTo>
+                    <a:pt x="1" y="425449"/>
+                  </a:lnTo>
+                  <a:lnTo>
+                    <a:pt x="0" y="425449"/>
+                  </a:lnTo>
+                  <a:lnTo>
+                    <a:pt x="0" y="142705"/>
+                  </a:lnTo>
+                  <a:cubicBezTo>
+                    <a:pt x="0" y="63892"/>
+                    <a:pt x="48332" y="0"/>
+                    <a:pt x="107952" y="0"/>
+                  </a:cubicBezTo>
+                  <a:close/>
+                </a:path>
+              </a:pathLst>
+            </a:custGeom>
+            <a:gradFill flip="none" rotWithShape="1">
+              <a:gsLst>
+                <a:gs pos="100000">
+                  <a:schemeClr val="accent4">
+                    <a:lumMod val="20000"/>
+                    <a:lumOff val="80000"/>
+                  </a:schemeClr>
+                </a:gs>
+                <a:gs pos="0">
+                  <a:schemeClr val="accent4">
+                    <a:lumMod val="75000"/>
+                  </a:schemeClr>
+                </a:gs>
+              </a:gsLst>
+              <a:path path="circle">
+                <a:fillToRect t="100000" r="100000"/>
+              </a:path>
+              <a:tileRect l="-100000" b="-100000"/>
+            </a:gradFill>
+            <a:ln>
+              <a:noFill/>
+            </a:ln>
+          </p:spPr>
+          <p:style>
+            <a:lnRef idx="2">
+              <a:schemeClr val="accent1">
+                <a:shade val="15000"/>
+              </a:schemeClr>
+            </a:lnRef>
+            <a:fillRef idx="1">
+              <a:schemeClr val="accent1"/>
+            </a:fillRef>
+            <a:effectRef idx="0">
+              <a:schemeClr val="accent1"/>
+            </a:effectRef>
+            <a:fontRef idx="minor">
+              <a:schemeClr val="lt1"/>
+            </a:fontRef>
+          </p:style>
+          <p:txBody>
+            <a:bodyPr wrap="square" rtlCol="0" anchor="ctr">
+              <a:noAutofit/>
+            </a:bodyPr>
+            <a:lstStyle/>
+            <a:p>
+              <a:pPr algn="ctr"/>
+              <a:endParaRPr lang="en-US"/>
+            </a:p>
+          </p:txBody>
+        </p:sp>
+        <p:sp>
+          <p:nvSpPr>
+            <p:cNvPr id="14" name="Freeform: Shape 35">
+              <a:extLst>
+                <a:ext uri="{FF2B5EF4-FFF2-40B4-BE49-F238E27FC236}">
+                  <a16:creationId xmlns:a16="http://schemas.microsoft.com/office/drawing/2014/main" id="{2AC66D83-9621-BAEE-4407-A7A77853F65F}"/>
+                </a:ext>
+              </a:extLst>
+            </p:cNvPr>
+            <p:cNvSpPr/>
+            <p:nvPr/>
+          </p:nvSpPr>
+          <p:spPr>
+            <a:xfrm>
+              <a:off x="9944776" y="4478020"/>
+              <a:ext cx="779188" cy="425449"/>
+            </a:xfrm>
+            <a:custGeom>
+              <a:avLst/>
+              <a:gdLst>
+                <a:gd name="connsiteX0" fmla="*/ 320675 w 641350"/>
+                <a:gd name="connsiteY0" fmla="*/ 0 h 323850"/>
+                <a:gd name="connsiteX1" fmla="*/ 641350 w 641350"/>
+                <a:gd name="connsiteY1" fmla="*/ 323850 h 323850"/>
+                <a:gd name="connsiteX2" fmla="*/ 0 w 641350"/>
+                <a:gd name="connsiteY2" fmla="*/ 323850 h 323850"/>
+                <a:gd name="connsiteX3" fmla="*/ 320675 w 641350"/>
+                <a:gd name="connsiteY3" fmla="*/ 0 h 323850"/>
+              </a:gdLst>
+              <a:ahLst/>
+              <a:cxnLst>
+                <a:cxn ang="0">
+                  <a:pos x="connsiteX0" y="connsiteY0"/>
+                </a:cxn>
+                <a:cxn ang="0">
+                  <a:pos x="connsiteX1" y="connsiteY1"/>
+                </a:cxn>
+                <a:cxn ang="0">
+                  <a:pos x="connsiteX2" y="connsiteY2"/>
+                </a:cxn>
+                <a:cxn ang="0">
+                  <a:pos x="connsiteX3" y="connsiteY3"/>
+                </a:cxn>
+              </a:cxnLst>
+              <a:rect l="l" t="t" r="r" b="b"/>
+              <a:pathLst>
+                <a:path w="641350" h="323850">
+                  <a:moveTo>
+                    <a:pt x="320675" y="0"/>
+                  </a:moveTo>
+                  <a:cubicBezTo>
+                    <a:pt x="497779" y="0"/>
+                    <a:pt x="641350" y="144993"/>
+                    <a:pt x="641350" y="323850"/>
+                  </a:cubicBezTo>
+                  <a:lnTo>
+                    <a:pt x="0" y="323850"/>
+                  </a:lnTo>
+                  <a:cubicBezTo>
+                    <a:pt x="0" y="144993"/>
+                    <a:pt x="143571" y="0"/>
+                    <a:pt x="320675" y="0"/>
+                  </a:cubicBezTo>
+                  <a:close/>
+                </a:path>
+              </a:pathLst>
+            </a:custGeom>
+            <a:solidFill>
+              <a:schemeClr val="accent4">
+                <a:lumMod val="75000"/>
+              </a:schemeClr>
+            </a:solidFill>
+            <a:ln>
+              <a:noFill/>
+            </a:ln>
+          </p:spPr>
+          <p:style>
+            <a:lnRef idx="2">
+              <a:schemeClr val="accent1">
+                <a:shade val="15000"/>
+              </a:schemeClr>
+            </a:lnRef>
+            <a:fillRef idx="1">
+              <a:schemeClr val="accent1"/>
+            </a:fillRef>
+            <a:effectRef idx="0">
+              <a:schemeClr val="accent1"/>
+            </a:effectRef>
+            <a:fontRef idx="minor">
+              <a:schemeClr val="lt1"/>
+            </a:fontRef>
+          </p:style>
+          <p:txBody>
+            <a:bodyPr wrap="square" rtlCol="0" anchor="ctr">
+              <a:noAutofit/>
+            </a:bodyPr>
+            <a:lstStyle/>
+            <a:p>
+              <a:pPr algn="ctr"/>
+              <a:endParaRPr lang="en-US"/>
+            </a:p>
+          </p:txBody>
+        </p:sp>
+      </p:grpSp>
+      <p:grpSp>
+        <p:nvGrpSpPr>
+          <p:cNvPr id="17" name="组合 16">
+            <a:extLst>
+              <a:ext uri="{FF2B5EF4-FFF2-40B4-BE49-F238E27FC236}">
+                <a16:creationId xmlns:a16="http://schemas.microsoft.com/office/drawing/2014/main" id="{64C24475-36A4-0AF7-E5A3-8B23F282A296}"/>
+              </a:ext>
+            </a:extLst>
+          </p:cNvPr>
+          <p:cNvGrpSpPr/>
+          <p:nvPr/>
+        </p:nvGrpSpPr>
+        <p:grpSpPr>
+          <a:xfrm rot="10800000" flipH="1">
+            <a:off x="4234368" y="1809746"/>
+            <a:ext cx="1135464" cy="2475229"/>
+            <a:chOff x="9260497" y="4478020"/>
+            <a:chExt cx="1463467" cy="1750059"/>
+          </a:xfrm>
+        </p:grpSpPr>
+        <p:sp>
+          <p:nvSpPr>
+            <p:cNvPr id="18" name="Freeform: Shape 37">
+              <a:extLst>
+                <a:ext uri="{FF2B5EF4-FFF2-40B4-BE49-F238E27FC236}">
+                  <a16:creationId xmlns:a16="http://schemas.microsoft.com/office/drawing/2014/main" id="{2178D262-D8E8-E3DE-D3C7-EF12D1922BBB}"/>
+                </a:ext>
+              </a:extLst>
+            </p:cNvPr>
+            <p:cNvSpPr/>
+            <p:nvPr/>
+          </p:nvSpPr>
+          <p:spPr>
+            <a:xfrm>
+              <a:off x="9260497" y="4478020"/>
+              <a:ext cx="1065715" cy="1750059"/>
+            </a:xfrm>
+            <a:custGeom>
+              <a:avLst/>
+              <a:gdLst>
+                <a:gd name="connsiteX0" fmla="*/ 107952 w 1065715"/>
+                <a:gd name="connsiteY0" fmla="*/ 0 h 1750059"/>
+                <a:gd name="connsiteX1" fmla="*/ 1065715 w 1065715"/>
+                <a:gd name="connsiteY1" fmla="*/ 0 h 1750059"/>
+                <a:gd name="connsiteX2" fmla="*/ 1065715 w 1065715"/>
+                <a:gd name="connsiteY2" fmla="*/ 425449 h 1750059"/>
+                <a:gd name="connsiteX3" fmla="*/ 685801 w 1065715"/>
+                <a:gd name="connsiteY3" fmla="*/ 425449 h 1750059"/>
+                <a:gd name="connsiteX4" fmla="*/ 685801 w 1065715"/>
+                <a:gd name="connsiteY4" fmla="*/ 1441447 h 1750059"/>
+                <a:gd name="connsiteX5" fmla="*/ 685802 w 1065715"/>
+                <a:gd name="connsiteY5" fmla="*/ 1441447 h 1750059"/>
+                <a:gd name="connsiteX6" fmla="*/ 342902 w 1065715"/>
+                <a:gd name="connsiteY6" fmla="*/ 1750059 h 1750059"/>
+                <a:gd name="connsiteX7" fmla="*/ 2 w 1065715"/>
+                <a:gd name="connsiteY7" fmla="*/ 1441447 h 1750059"/>
+                <a:gd name="connsiteX8" fmla="*/ 1 w 1065715"/>
+                <a:gd name="connsiteY8" fmla="*/ 1441447 h 1750059"/>
+                <a:gd name="connsiteX9" fmla="*/ 1 w 1065715"/>
+                <a:gd name="connsiteY9" fmla="*/ 425449 h 1750059"/>
+                <a:gd name="connsiteX10" fmla="*/ 0 w 1065715"/>
+                <a:gd name="connsiteY10" fmla="*/ 425449 h 1750059"/>
+                <a:gd name="connsiteX11" fmla="*/ 0 w 1065715"/>
+                <a:gd name="connsiteY11" fmla="*/ 142705 h 1750059"/>
+                <a:gd name="connsiteX12" fmla="*/ 107952 w 1065715"/>
+                <a:gd name="connsiteY12" fmla="*/ 0 h 1750059"/>
+              </a:gdLst>
+              <a:ahLst/>
+              <a:cxnLst>
+                <a:cxn ang="0">
+                  <a:pos x="connsiteX0" y="connsiteY0"/>
+                </a:cxn>
+                <a:cxn ang="0">
+                  <a:pos x="connsiteX1" y="connsiteY1"/>
+                </a:cxn>
+                <a:cxn ang="0">
+                  <a:pos x="connsiteX2" y="connsiteY2"/>
+                </a:cxn>
+                <a:cxn ang="0">
+                  <a:pos x="connsiteX3" y="connsiteY3"/>
+                </a:cxn>
+                <a:cxn ang="0">
+                  <a:pos x="connsiteX4" y="connsiteY4"/>
+                </a:cxn>
+                <a:cxn ang="0">
+                  <a:pos x="connsiteX5" y="connsiteY5"/>
+                </a:cxn>
+                <a:cxn ang="0">
+                  <a:pos x="connsiteX6" y="connsiteY6"/>
+                </a:cxn>
+                <a:cxn ang="0">
+                  <a:pos x="connsiteX7" y="connsiteY7"/>
+                </a:cxn>
+                <a:cxn ang="0">
+                  <a:pos x="connsiteX8" y="connsiteY8"/>
+                </a:cxn>
+                <a:cxn ang="0">
+                  <a:pos x="connsiteX9" y="connsiteY9"/>
+                </a:cxn>
+                <a:cxn ang="0">
+                  <a:pos x="connsiteX10" y="connsiteY10"/>
+                </a:cxn>
+                <a:cxn ang="0">
+                  <a:pos x="connsiteX11" y="connsiteY11"/>
+                </a:cxn>
+                <a:cxn ang="0">
+                  <a:pos x="connsiteX12" y="connsiteY12"/>
+                </a:cxn>
+              </a:cxnLst>
+              <a:rect l="l" t="t" r="r" b="b"/>
+              <a:pathLst>
+                <a:path w="1065715" h="1750059">
+                  <a:moveTo>
+                    <a:pt x="107952" y="0"/>
+                  </a:moveTo>
+                  <a:lnTo>
+                    <a:pt x="1065715" y="0"/>
+                  </a:lnTo>
+                  <a:lnTo>
+                    <a:pt x="1065715" y="425449"/>
+                  </a:lnTo>
+                  <a:lnTo>
+                    <a:pt x="685801" y="425449"/>
+                  </a:lnTo>
+                  <a:lnTo>
+                    <a:pt x="685801" y="1441447"/>
+                  </a:lnTo>
+                  <a:lnTo>
+                    <a:pt x="685802" y="1441447"/>
+                  </a:lnTo>
+                  <a:lnTo>
+                    <a:pt x="342902" y="1750059"/>
+                  </a:lnTo>
+                  <a:lnTo>
+                    <a:pt x="2" y="1441447"/>
+                  </a:lnTo>
+                  <a:lnTo>
+                    <a:pt x="1" y="1441447"/>
+                  </a:lnTo>
+                  <a:lnTo>
+                    <a:pt x="1" y="425449"/>
+                  </a:lnTo>
+                  <a:lnTo>
+                    <a:pt x="0" y="425449"/>
+                  </a:lnTo>
+                  <a:lnTo>
+                    <a:pt x="0" y="142705"/>
+                  </a:lnTo>
+                  <a:cubicBezTo>
+                    <a:pt x="0" y="63892"/>
+                    <a:pt x="48332" y="0"/>
+                    <a:pt x="107952" y="0"/>
+                  </a:cubicBezTo>
+                  <a:close/>
+                </a:path>
+              </a:pathLst>
+            </a:custGeom>
+            <a:gradFill flip="none" rotWithShape="1">
+              <a:gsLst>
+                <a:gs pos="100000">
+                  <a:schemeClr val="accent6">
+                    <a:lumMod val="20000"/>
+                    <a:lumOff val="80000"/>
+                  </a:schemeClr>
+                </a:gs>
+                <a:gs pos="0">
+                  <a:schemeClr val="accent6">
+                    <a:lumMod val="75000"/>
+                  </a:schemeClr>
+                </a:gs>
+              </a:gsLst>
+              <a:path path="circle">
+                <a:fillToRect t="100000" r="100000"/>
+              </a:path>
+              <a:tileRect l="-100000" b="-100000"/>
+            </a:gradFill>
+            <a:ln>
+              <a:noFill/>
+            </a:ln>
+          </p:spPr>
+          <p:style>
+            <a:lnRef idx="2">
+              <a:schemeClr val="accent1">
+                <a:shade val="15000"/>
+              </a:schemeClr>
+            </a:lnRef>
+            <a:fillRef idx="1">
+              <a:schemeClr val="accent1"/>
+            </a:fillRef>
+            <a:effectRef idx="0">
+              <a:schemeClr val="accent1"/>
+            </a:effectRef>
+            <a:fontRef idx="minor">
+              <a:schemeClr val="lt1"/>
+            </a:fontRef>
+          </p:style>
+          <p:txBody>
+            <a:bodyPr wrap="square" rtlCol="0" anchor="ctr">
+              <a:noAutofit/>
+            </a:bodyPr>
+            <a:lstStyle/>
+            <a:p>
+              <a:pPr algn="ctr"/>
+              <a:endParaRPr lang="en-US"/>
+            </a:p>
+          </p:txBody>
+        </p:sp>
+        <p:sp>
+          <p:nvSpPr>
+            <p:cNvPr id="19" name="Freeform: Shape 35">
+              <a:extLst>
+                <a:ext uri="{FF2B5EF4-FFF2-40B4-BE49-F238E27FC236}">
+                  <a16:creationId xmlns:a16="http://schemas.microsoft.com/office/drawing/2014/main" id="{8798014C-A715-3BB1-3BAD-02121AA7A8C0}"/>
+                </a:ext>
+              </a:extLst>
+            </p:cNvPr>
+            <p:cNvSpPr/>
+            <p:nvPr/>
+          </p:nvSpPr>
+          <p:spPr>
+            <a:xfrm>
+              <a:off x="9944776" y="4478020"/>
+              <a:ext cx="779188" cy="425449"/>
+            </a:xfrm>
+            <a:custGeom>
+              <a:avLst/>
+              <a:gdLst>
+                <a:gd name="connsiteX0" fmla="*/ 320675 w 641350"/>
+                <a:gd name="connsiteY0" fmla="*/ 0 h 323850"/>
+                <a:gd name="connsiteX1" fmla="*/ 641350 w 641350"/>
+                <a:gd name="connsiteY1" fmla="*/ 323850 h 323850"/>
+                <a:gd name="connsiteX2" fmla="*/ 0 w 641350"/>
+                <a:gd name="connsiteY2" fmla="*/ 323850 h 323850"/>
+                <a:gd name="connsiteX3" fmla="*/ 320675 w 641350"/>
+                <a:gd name="connsiteY3" fmla="*/ 0 h 323850"/>
+              </a:gdLst>
+              <a:ahLst/>
+              <a:cxnLst>
+                <a:cxn ang="0">
+                  <a:pos x="connsiteX0" y="connsiteY0"/>
+                </a:cxn>
+                <a:cxn ang="0">
+                  <a:pos x="connsiteX1" y="connsiteY1"/>
+                </a:cxn>
+                <a:cxn ang="0">
+                  <a:pos x="connsiteX2" y="connsiteY2"/>
+                </a:cxn>
+                <a:cxn ang="0">
+                  <a:pos x="connsiteX3" y="connsiteY3"/>
+                </a:cxn>
+              </a:cxnLst>
+              <a:rect l="l" t="t" r="r" b="b"/>
+              <a:pathLst>
+                <a:path w="641350" h="323850">
+                  <a:moveTo>
+                    <a:pt x="320675" y="0"/>
+                  </a:moveTo>
+                  <a:cubicBezTo>
+                    <a:pt x="497779" y="0"/>
+                    <a:pt x="641350" y="144993"/>
+                    <a:pt x="641350" y="323850"/>
+                  </a:cubicBezTo>
+                  <a:lnTo>
+                    <a:pt x="0" y="323850"/>
+                  </a:lnTo>
+                  <a:cubicBezTo>
+                    <a:pt x="0" y="144993"/>
+                    <a:pt x="143571" y="0"/>
+                    <a:pt x="320675" y="0"/>
+                  </a:cubicBezTo>
+                  <a:close/>
+                </a:path>
+              </a:pathLst>
+            </a:custGeom>
+            <a:solidFill>
+              <a:schemeClr val="accent6">
+                <a:lumMod val="75000"/>
+              </a:schemeClr>
+            </a:solidFill>
+            <a:ln>
+              <a:noFill/>
+            </a:ln>
+          </p:spPr>
+          <p:style>
+            <a:lnRef idx="2">
+              <a:schemeClr val="accent1">
+                <a:shade val="15000"/>
+              </a:schemeClr>
+            </a:lnRef>
+            <a:fillRef idx="1">
+              <a:schemeClr val="accent1"/>
+            </a:fillRef>
+            <a:effectRef idx="0">
+              <a:schemeClr val="accent1"/>
+            </a:effectRef>
+            <a:fontRef idx="minor">
+              <a:schemeClr val="lt1"/>
+            </a:fontRef>
+          </p:style>
+          <p:txBody>
+            <a:bodyPr wrap="square" rtlCol="0" anchor="ctr">
+              <a:noAutofit/>
+            </a:bodyPr>
+            <a:lstStyle/>
+            <a:p>
+              <a:pPr algn="ctr"/>
+              <a:endParaRPr lang="en-US"/>
+            </a:p>
+          </p:txBody>
+        </p:sp>
+      </p:grpSp>
     </p:spTree>
     <p:extLst>
       <p:ext uri="{BB962C8B-B14F-4D97-AF65-F5344CB8AC3E}">

--- a/lab logo.pptx
+++ b/lab logo.pptx
@@ -4,6 +4,9 @@
   <p:sldMasterIdLst>
     <p:sldMasterId id="2147483648" r:id="rId1"/>
   </p:sldMasterIdLst>
+  <p:notesMasterIdLst>
+    <p:notesMasterId r:id="rId4"/>
+  </p:notesMasterIdLst>
   <p:sldIdLst>
     <p:sldId id="256" r:id="rId2"/>
     <p:sldId id="257" r:id="rId3"/>
@@ -111,6 +114,439 @@
     </p:ext>
   </p:extLst>
 </p:presentation>
+</file>
+
+<file path=ppt/notesMasters/notesMaster1.xml><?xml version="1.0" encoding="utf-8"?>
+<p:notesMaster xmlns:a="http://schemas.openxmlformats.org/drawingml/2006/main" xmlns:r="http://schemas.openxmlformats.org/officeDocument/2006/relationships" xmlns:p="http://schemas.openxmlformats.org/presentationml/2006/main">
+  <p:cSld>
+    <p:bg>
+      <p:bgRef idx="1001">
+        <a:schemeClr val="bg1"/>
+      </p:bgRef>
+    </p:bg>
+    <p:spTree>
+      <p:nvGrpSpPr>
+        <p:cNvPr id="1" name=""/>
+        <p:cNvGrpSpPr/>
+        <p:nvPr/>
+      </p:nvGrpSpPr>
+      <p:grpSpPr>
+        <a:xfrm>
+          <a:off x="0" y="0"/>
+          <a:ext cx="0" cy="0"/>
+          <a:chOff x="0" y="0"/>
+          <a:chExt cx="0" cy="0"/>
+        </a:xfrm>
+      </p:grpSpPr>
+      <p:sp>
+        <p:nvSpPr>
+          <p:cNvPr id="2" name="页眉占位符 1"/>
+          <p:cNvSpPr>
+            <a:spLocks noGrp="1"/>
+          </p:cNvSpPr>
+          <p:nvPr>
+            <p:ph type="hdr" sz="quarter"/>
+          </p:nvPr>
+        </p:nvSpPr>
+        <p:spPr>
+          <a:xfrm>
+            <a:off x="0" y="0"/>
+            <a:ext cx="2971800" cy="458788"/>
+          </a:xfrm>
+          <a:prstGeom prst="rect">
+            <a:avLst/>
+          </a:prstGeom>
+        </p:spPr>
+        <p:txBody>
+          <a:bodyPr vert="horz" lIns="91440" tIns="45720" rIns="91440" bIns="45720" rtlCol="0"/>
+          <a:lstStyle>
+            <a:lvl1pPr algn="l">
+              <a:defRPr sz="1200"/>
+            </a:lvl1pPr>
+          </a:lstStyle>
+          <a:p>
+            <a:endParaRPr lang="zh-CN" altLang="en-US"/>
+          </a:p>
+        </p:txBody>
+      </p:sp>
+      <p:sp>
+        <p:nvSpPr>
+          <p:cNvPr id="3" name="日期占位符 2"/>
+          <p:cNvSpPr>
+            <a:spLocks noGrp="1"/>
+          </p:cNvSpPr>
+          <p:nvPr>
+            <p:ph type="dt" idx="1"/>
+          </p:nvPr>
+        </p:nvSpPr>
+        <p:spPr>
+          <a:xfrm>
+            <a:off x="3884613" y="0"/>
+            <a:ext cx="2971800" cy="458788"/>
+          </a:xfrm>
+          <a:prstGeom prst="rect">
+            <a:avLst/>
+          </a:prstGeom>
+        </p:spPr>
+        <p:txBody>
+          <a:bodyPr vert="horz" lIns="91440" tIns="45720" rIns="91440" bIns="45720" rtlCol="0"/>
+          <a:lstStyle>
+            <a:lvl1pPr algn="r">
+              <a:defRPr sz="1200"/>
+            </a:lvl1pPr>
+          </a:lstStyle>
+          <a:p>
+            <a:fld id="{BB73AD8B-D8AA-40CA-B9C4-161339AA265D}" type="datetimeFigureOut">
+              <a:rPr lang="zh-CN" altLang="en-US" smtClean="0"/>
+              <a:t>2025/1/4</a:t>
+            </a:fld>
+            <a:endParaRPr lang="zh-CN" altLang="en-US"/>
+          </a:p>
+        </p:txBody>
+      </p:sp>
+      <p:sp>
+        <p:nvSpPr>
+          <p:cNvPr id="4" name="幻灯片图像占位符 3"/>
+          <p:cNvSpPr>
+            <a:spLocks noGrp="1" noRot="1" noChangeAspect="1"/>
+          </p:cNvSpPr>
+          <p:nvPr>
+            <p:ph type="sldImg" idx="2"/>
+          </p:nvPr>
+        </p:nvSpPr>
+        <p:spPr>
+          <a:xfrm>
+            <a:off x="685800" y="1143000"/>
+            <a:ext cx="5486400" cy="3086100"/>
+          </a:xfrm>
+          <a:prstGeom prst="rect">
+            <a:avLst/>
+          </a:prstGeom>
+          <a:noFill/>
+          <a:ln w="12700">
+            <a:solidFill>
+              <a:prstClr val="black"/>
+            </a:solidFill>
+          </a:ln>
+        </p:spPr>
+        <p:txBody>
+          <a:bodyPr vert="horz" lIns="91440" tIns="45720" rIns="91440" bIns="45720" rtlCol="0" anchor="ctr"/>
+          <a:lstStyle/>
+          <a:p>
+            <a:endParaRPr lang="zh-CN" altLang="en-US"/>
+          </a:p>
+        </p:txBody>
+      </p:sp>
+      <p:sp>
+        <p:nvSpPr>
+          <p:cNvPr id="5" name="备注占位符 4"/>
+          <p:cNvSpPr>
+            <a:spLocks noGrp="1"/>
+          </p:cNvSpPr>
+          <p:nvPr>
+            <p:ph type="body" sz="quarter" idx="3"/>
+          </p:nvPr>
+        </p:nvSpPr>
+        <p:spPr>
+          <a:xfrm>
+            <a:off x="685800" y="4400550"/>
+            <a:ext cx="5486400" cy="3600450"/>
+          </a:xfrm>
+          <a:prstGeom prst="rect">
+            <a:avLst/>
+          </a:prstGeom>
+        </p:spPr>
+        <p:txBody>
+          <a:bodyPr vert="horz" lIns="91440" tIns="45720" rIns="91440" bIns="45720" rtlCol="0"/>
+          <a:lstStyle/>
+          <a:p>
+            <a:pPr lvl="0"/>
+            <a:r>
+              <a:rPr lang="zh-CN" altLang="en-US"/>
+              <a:t>单击此处编辑母版文本样式</a:t>
+            </a:r>
+          </a:p>
+          <a:p>
+            <a:pPr lvl="1"/>
+            <a:r>
+              <a:rPr lang="zh-CN" altLang="en-US"/>
+              <a:t>二级</a:t>
+            </a:r>
+          </a:p>
+          <a:p>
+            <a:pPr lvl="2"/>
+            <a:r>
+              <a:rPr lang="zh-CN" altLang="en-US"/>
+              <a:t>三级</a:t>
+            </a:r>
+          </a:p>
+          <a:p>
+            <a:pPr lvl="3"/>
+            <a:r>
+              <a:rPr lang="zh-CN" altLang="en-US"/>
+              <a:t>四级</a:t>
+            </a:r>
+          </a:p>
+          <a:p>
+            <a:pPr lvl="4"/>
+            <a:r>
+              <a:rPr lang="zh-CN" altLang="en-US"/>
+              <a:t>五级</a:t>
+            </a:r>
+          </a:p>
+        </p:txBody>
+      </p:sp>
+      <p:sp>
+        <p:nvSpPr>
+          <p:cNvPr id="6" name="页脚占位符 5"/>
+          <p:cNvSpPr>
+            <a:spLocks noGrp="1"/>
+          </p:cNvSpPr>
+          <p:nvPr>
+            <p:ph type="ftr" sz="quarter" idx="4"/>
+          </p:nvPr>
+        </p:nvSpPr>
+        <p:spPr>
+          <a:xfrm>
+            <a:off x="0" y="8685213"/>
+            <a:ext cx="2971800" cy="458787"/>
+          </a:xfrm>
+          <a:prstGeom prst="rect">
+            <a:avLst/>
+          </a:prstGeom>
+        </p:spPr>
+        <p:txBody>
+          <a:bodyPr vert="horz" lIns="91440" tIns="45720" rIns="91440" bIns="45720" rtlCol="0" anchor="b"/>
+          <a:lstStyle>
+            <a:lvl1pPr algn="l">
+              <a:defRPr sz="1200"/>
+            </a:lvl1pPr>
+          </a:lstStyle>
+          <a:p>
+            <a:endParaRPr lang="zh-CN" altLang="en-US"/>
+          </a:p>
+        </p:txBody>
+      </p:sp>
+      <p:sp>
+        <p:nvSpPr>
+          <p:cNvPr id="7" name="灯片编号占位符 6"/>
+          <p:cNvSpPr>
+            <a:spLocks noGrp="1"/>
+          </p:cNvSpPr>
+          <p:nvPr>
+            <p:ph type="sldNum" sz="quarter" idx="5"/>
+          </p:nvPr>
+        </p:nvSpPr>
+        <p:spPr>
+          <a:xfrm>
+            <a:off x="3884613" y="8685213"/>
+            <a:ext cx="2971800" cy="458787"/>
+          </a:xfrm>
+          <a:prstGeom prst="rect">
+            <a:avLst/>
+          </a:prstGeom>
+        </p:spPr>
+        <p:txBody>
+          <a:bodyPr vert="horz" lIns="91440" tIns="45720" rIns="91440" bIns="45720" rtlCol="0" anchor="b"/>
+          <a:lstStyle>
+            <a:lvl1pPr algn="r">
+              <a:defRPr sz="1200"/>
+            </a:lvl1pPr>
+          </a:lstStyle>
+          <a:p>
+            <a:fld id="{8CD8F198-70EE-41CF-BCC6-48B21FF48B64}" type="slidenum">
+              <a:rPr lang="zh-CN" altLang="en-US" smtClean="0"/>
+              <a:t>‹#›</a:t>
+            </a:fld>
+            <a:endParaRPr lang="zh-CN" altLang="en-US"/>
+          </a:p>
+        </p:txBody>
+      </p:sp>
+    </p:spTree>
+    <p:extLst>
+      <p:ext uri="{BB962C8B-B14F-4D97-AF65-F5344CB8AC3E}">
+        <p14:creationId xmlns:p14="http://schemas.microsoft.com/office/powerpoint/2010/main" val="3698735026"/>
+      </p:ext>
+    </p:extLst>
+  </p:cSld>
+  <p:clrMap bg1="lt1" tx1="dk1" bg2="lt2" tx2="dk2" accent1="accent1" accent2="accent2" accent3="accent3" accent4="accent4" accent5="accent5" accent6="accent6" hlink="hlink" folHlink="folHlink"/>
+  <p:notesStyle>
+    <a:lvl1pPr marL="0" algn="l" defTabSz="914400" rtl="0" eaLnBrk="1" latinLnBrk="0" hangingPunct="1">
+      <a:defRPr sz="1200" kern="1200">
+        <a:solidFill>
+          <a:schemeClr val="tx1"/>
+        </a:solidFill>
+        <a:latin typeface="+mn-lt"/>
+        <a:ea typeface="+mn-ea"/>
+        <a:cs typeface="+mn-cs"/>
+      </a:defRPr>
+    </a:lvl1pPr>
+    <a:lvl2pPr marL="457200" algn="l" defTabSz="914400" rtl="0" eaLnBrk="1" latinLnBrk="0" hangingPunct="1">
+      <a:defRPr sz="1200" kern="1200">
+        <a:solidFill>
+          <a:schemeClr val="tx1"/>
+        </a:solidFill>
+        <a:latin typeface="+mn-lt"/>
+        <a:ea typeface="+mn-ea"/>
+        <a:cs typeface="+mn-cs"/>
+      </a:defRPr>
+    </a:lvl2pPr>
+    <a:lvl3pPr marL="914400" algn="l" defTabSz="914400" rtl="0" eaLnBrk="1" latinLnBrk="0" hangingPunct="1">
+      <a:defRPr sz="1200" kern="1200">
+        <a:solidFill>
+          <a:schemeClr val="tx1"/>
+        </a:solidFill>
+        <a:latin typeface="+mn-lt"/>
+        <a:ea typeface="+mn-ea"/>
+        <a:cs typeface="+mn-cs"/>
+      </a:defRPr>
+    </a:lvl3pPr>
+    <a:lvl4pPr marL="1371600" algn="l" defTabSz="914400" rtl="0" eaLnBrk="1" latinLnBrk="0" hangingPunct="1">
+      <a:defRPr sz="1200" kern="1200">
+        <a:solidFill>
+          <a:schemeClr val="tx1"/>
+        </a:solidFill>
+        <a:latin typeface="+mn-lt"/>
+        <a:ea typeface="+mn-ea"/>
+        <a:cs typeface="+mn-cs"/>
+      </a:defRPr>
+    </a:lvl4pPr>
+    <a:lvl5pPr marL="1828800" algn="l" defTabSz="914400" rtl="0" eaLnBrk="1" latinLnBrk="0" hangingPunct="1">
+      <a:defRPr sz="1200" kern="1200">
+        <a:solidFill>
+          <a:schemeClr val="tx1"/>
+        </a:solidFill>
+        <a:latin typeface="+mn-lt"/>
+        <a:ea typeface="+mn-ea"/>
+        <a:cs typeface="+mn-cs"/>
+      </a:defRPr>
+    </a:lvl5pPr>
+    <a:lvl6pPr marL="2286000" algn="l" defTabSz="914400" rtl="0" eaLnBrk="1" latinLnBrk="0" hangingPunct="1">
+      <a:defRPr sz="1200" kern="1200">
+        <a:solidFill>
+          <a:schemeClr val="tx1"/>
+        </a:solidFill>
+        <a:latin typeface="+mn-lt"/>
+        <a:ea typeface="+mn-ea"/>
+        <a:cs typeface="+mn-cs"/>
+      </a:defRPr>
+    </a:lvl6pPr>
+    <a:lvl7pPr marL="2743200" algn="l" defTabSz="914400" rtl="0" eaLnBrk="1" latinLnBrk="0" hangingPunct="1">
+      <a:defRPr sz="1200" kern="1200">
+        <a:solidFill>
+          <a:schemeClr val="tx1"/>
+        </a:solidFill>
+        <a:latin typeface="+mn-lt"/>
+        <a:ea typeface="+mn-ea"/>
+        <a:cs typeface="+mn-cs"/>
+      </a:defRPr>
+    </a:lvl7pPr>
+    <a:lvl8pPr marL="3200400" algn="l" defTabSz="914400" rtl="0" eaLnBrk="1" latinLnBrk="0" hangingPunct="1">
+      <a:defRPr sz="1200" kern="1200">
+        <a:solidFill>
+          <a:schemeClr val="tx1"/>
+        </a:solidFill>
+        <a:latin typeface="+mn-lt"/>
+        <a:ea typeface="+mn-ea"/>
+        <a:cs typeface="+mn-cs"/>
+      </a:defRPr>
+    </a:lvl8pPr>
+    <a:lvl9pPr marL="3657600" algn="l" defTabSz="914400" rtl="0" eaLnBrk="1" latinLnBrk="0" hangingPunct="1">
+      <a:defRPr sz="1200" kern="1200">
+        <a:solidFill>
+          <a:schemeClr val="tx1"/>
+        </a:solidFill>
+        <a:latin typeface="+mn-lt"/>
+        <a:ea typeface="+mn-ea"/>
+        <a:cs typeface="+mn-cs"/>
+      </a:defRPr>
+    </a:lvl9pPr>
+  </p:notesStyle>
+</p:notesMaster>
+</file>
+
+<file path=ppt/notesSlides/notesSlide1.xml><?xml version="1.0" encoding="utf-8"?>
+<p:notes xmlns:a="http://schemas.openxmlformats.org/drawingml/2006/main" xmlns:r="http://schemas.openxmlformats.org/officeDocument/2006/relationships" xmlns:p="http://schemas.openxmlformats.org/presentationml/2006/main">
+  <p:cSld>
+    <p:spTree>
+      <p:nvGrpSpPr>
+        <p:cNvPr id="1" name=""/>
+        <p:cNvGrpSpPr/>
+        <p:nvPr/>
+      </p:nvGrpSpPr>
+      <p:grpSpPr>
+        <a:xfrm>
+          <a:off x="0" y="0"/>
+          <a:ext cx="0" cy="0"/>
+          <a:chOff x="0" y="0"/>
+          <a:chExt cx="0" cy="0"/>
+        </a:xfrm>
+      </p:grpSpPr>
+      <p:sp>
+        <p:nvSpPr>
+          <p:cNvPr id="2" name="幻灯片图像占位符 1"/>
+          <p:cNvSpPr>
+            <a:spLocks noGrp="1" noRot="1" noChangeAspect="1"/>
+          </p:cNvSpPr>
+          <p:nvPr>
+            <p:ph type="sldImg"/>
+          </p:nvPr>
+        </p:nvSpPr>
+        <p:spPr/>
+      </p:sp>
+      <p:sp>
+        <p:nvSpPr>
+          <p:cNvPr id="3" name="备注占位符 2"/>
+          <p:cNvSpPr>
+            <a:spLocks noGrp="1"/>
+          </p:cNvSpPr>
+          <p:nvPr>
+            <p:ph type="body" idx="1"/>
+          </p:nvPr>
+        </p:nvSpPr>
+        <p:spPr/>
+        <p:txBody>
+          <a:bodyPr/>
+          <a:lstStyle/>
+          <a:p>
+            <a:endParaRPr lang="zh-CN" altLang="en-US" dirty="0"/>
+          </a:p>
+        </p:txBody>
+      </p:sp>
+      <p:sp>
+        <p:nvSpPr>
+          <p:cNvPr id="4" name="灯片编号占位符 3"/>
+          <p:cNvSpPr>
+            <a:spLocks noGrp="1"/>
+          </p:cNvSpPr>
+          <p:nvPr>
+            <p:ph type="sldNum" sz="quarter" idx="5"/>
+          </p:nvPr>
+        </p:nvSpPr>
+        <p:spPr/>
+        <p:txBody>
+          <a:bodyPr/>
+          <a:lstStyle/>
+          <a:p>
+            <a:fld id="{8CD8F198-70EE-41CF-BCC6-48B21FF48B64}" type="slidenum">
+              <a:rPr lang="zh-CN" altLang="en-US" smtClean="0"/>
+              <a:t>2</a:t>
+            </a:fld>
+            <a:endParaRPr lang="zh-CN" altLang="en-US"/>
+          </a:p>
+        </p:txBody>
+      </p:sp>
+    </p:spTree>
+    <p:extLst>
+      <p:ext uri="{BB962C8B-B14F-4D97-AF65-F5344CB8AC3E}">
+        <p14:creationId xmlns:p14="http://schemas.microsoft.com/office/powerpoint/2010/main" val="3267327445"/>
+      </p:ext>
+    </p:extLst>
+  </p:cSld>
+  <p:clrMapOvr>
+    <a:masterClrMapping/>
+  </p:clrMapOvr>
+</p:notes>
 </file>
 
 <file path=ppt/slideLayouts/slideLayout1.xml><?xml version="1.0" encoding="utf-8"?>
@@ -3838,7 +4274,7 @@
           <a:lstStyle/>
           <a:p>
             <a:pPr algn="ctr"/>
-            <a:endParaRPr lang="zh-CN" altLang="en-US"/>
+            <a:endParaRPr lang="zh-CN" altLang="en-US" dirty="0"/>
           </a:p>
         </p:txBody>
       </p:sp>
@@ -3856,8 +4292,8 @@
         </p:nvGrpSpPr>
         <p:grpSpPr>
           <a:xfrm flipH="1">
-            <a:off x="7696829" y="1657346"/>
-            <a:ext cx="1135464" cy="2475229"/>
+            <a:off x="7931106" y="1662082"/>
+            <a:ext cx="1085221" cy="2475229"/>
             <a:chOff x="9260497" y="4478020"/>
             <a:chExt cx="1463467" cy="1750059"/>
           </a:xfrm>
@@ -4167,8 +4603,8 @@
         </p:nvGrpSpPr>
         <p:grpSpPr>
           <a:xfrm rot="10800000" flipH="1">
-            <a:off x="4234368" y="1809746"/>
-            <a:ext cx="1135464" cy="2475229"/>
+            <a:off x="4241800" y="1803394"/>
+            <a:ext cx="1115331" cy="2475229"/>
             <a:chOff x="9260497" y="4478020"/>
             <a:chExt cx="1463467" cy="1750059"/>
           </a:xfrm>
@@ -4464,6 +4900,953 @@
           </p:txBody>
         </p:sp>
       </p:grpSp>
+      <p:sp>
+        <p:nvSpPr>
+          <p:cNvPr id="3" name="矩形: 圆角 2">
+            <a:extLst>
+              <a:ext uri="{FF2B5EF4-FFF2-40B4-BE49-F238E27FC236}">
+                <a16:creationId xmlns:a16="http://schemas.microsoft.com/office/drawing/2014/main" id="{74763AA0-C23D-2A64-0DC5-196ABB846105}"/>
+              </a:ext>
+            </a:extLst>
+          </p:cNvPr>
+          <p:cNvSpPr/>
+          <p:nvPr/>
+        </p:nvSpPr>
+        <p:spPr>
+          <a:xfrm>
+            <a:off x="4324349" y="730250"/>
+            <a:ext cx="1289051" cy="298450"/>
+          </a:xfrm>
+          <a:prstGeom prst="roundRect">
+            <a:avLst/>
+          </a:prstGeom>
+          <a:solidFill>
+            <a:srgbClr val="00A1DA"/>
+          </a:solidFill>
+          <a:ln>
+            <a:noFill/>
+          </a:ln>
+        </p:spPr>
+        <p:style>
+          <a:lnRef idx="2">
+            <a:schemeClr val="accent1">
+              <a:shade val="15000"/>
+            </a:schemeClr>
+          </a:lnRef>
+          <a:fillRef idx="1">
+            <a:schemeClr val="accent1"/>
+          </a:fillRef>
+          <a:effectRef idx="0">
+            <a:schemeClr val="accent1"/>
+          </a:effectRef>
+          <a:fontRef idx="minor">
+            <a:schemeClr val="lt1"/>
+          </a:fontRef>
+        </p:style>
+        <p:txBody>
+          <a:bodyPr rtlCol="0" anchor="ctr"/>
+          <a:lstStyle/>
+          <a:p>
+            <a:pPr algn="ctr"/>
+            <a:r>
+              <a:rPr lang="en-US" altLang="zh-CN" sz="1600" dirty="0"/>
+              <a:t>Healthcare</a:t>
+            </a:r>
+            <a:endParaRPr lang="zh-CN" altLang="en-US" sz="1600" dirty="0"/>
+          </a:p>
+        </p:txBody>
+      </p:sp>
+      <p:sp>
+        <p:nvSpPr>
+          <p:cNvPr id="6" name="矩形: 圆角 5">
+            <a:extLst>
+              <a:ext uri="{FF2B5EF4-FFF2-40B4-BE49-F238E27FC236}">
+                <a16:creationId xmlns:a16="http://schemas.microsoft.com/office/drawing/2014/main" id="{B88EDCE2-14C9-CDCC-F3EB-2DB5707527B8}"/>
+              </a:ext>
+            </a:extLst>
+          </p:cNvPr>
+          <p:cNvSpPr/>
+          <p:nvPr/>
+        </p:nvSpPr>
+        <p:spPr>
+          <a:xfrm>
+            <a:off x="6528106" y="1108098"/>
+            <a:ext cx="1289051" cy="298450"/>
+          </a:xfrm>
+          <a:prstGeom prst="roundRect">
+            <a:avLst/>
+          </a:prstGeom>
+          <a:solidFill>
+            <a:srgbClr val="00A1DA"/>
+          </a:solidFill>
+          <a:ln>
+            <a:noFill/>
+          </a:ln>
+        </p:spPr>
+        <p:style>
+          <a:lnRef idx="2">
+            <a:schemeClr val="accent1">
+              <a:shade val="15000"/>
+            </a:schemeClr>
+          </a:lnRef>
+          <a:fillRef idx="1">
+            <a:schemeClr val="accent1"/>
+          </a:fillRef>
+          <a:effectRef idx="0">
+            <a:schemeClr val="accent1"/>
+          </a:effectRef>
+          <a:fontRef idx="minor">
+            <a:schemeClr val="lt1"/>
+          </a:fontRef>
+        </p:style>
+        <p:txBody>
+          <a:bodyPr rtlCol="0" anchor="ctr"/>
+          <a:lstStyle/>
+          <a:p>
+            <a:pPr algn="ctr"/>
+            <a:r>
+              <a:rPr lang="en-US" altLang="zh-CN" sz="1600" dirty="0"/>
+              <a:t>Education</a:t>
+            </a:r>
+            <a:endParaRPr lang="zh-CN" altLang="en-US" sz="1600" dirty="0"/>
+          </a:p>
+        </p:txBody>
+      </p:sp>
+      <p:sp>
+        <p:nvSpPr>
+          <p:cNvPr id="7" name="矩形: 圆角 6">
+            <a:extLst>
+              <a:ext uri="{FF2B5EF4-FFF2-40B4-BE49-F238E27FC236}">
+                <a16:creationId xmlns:a16="http://schemas.microsoft.com/office/drawing/2014/main" id="{0D98C0A6-701F-E4B6-92DD-84982E117D17}"/>
+              </a:ext>
+            </a:extLst>
+          </p:cNvPr>
+          <p:cNvSpPr/>
+          <p:nvPr/>
+        </p:nvSpPr>
+        <p:spPr>
+          <a:xfrm>
+            <a:off x="6434138" y="730250"/>
+            <a:ext cx="1495427" cy="298450"/>
+          </a:xfrm>
+          <a:prstGeom prst="roundRect">
+            <a:avLst/>
+          </a:prstGeom>
+          <a:solidFill>
+            <a:srgbClr val="00A1DA"/>
+          </a:solidFill>
+          <a:ln>
+            <a:noFill/>
+          </a:ln>
+        </p:spPr>
+        <p:style>
+          <a:lnRef idx="2">
+            <a:schemeClr val="accent1">
+              <a:shade val="15000"/>
+            </a:schemeClr>
+          </a:lnRef>
+          <a:fillRef idx="1">
+            <a:schemeClr val="accent1"/>
+          </a:fillRef>
+          <a:effectRef idx="0">
+            <a:schemeClr val="accent1"/>
+          </a:effectRef>
+          <a:fontRef idx="minor">
+            <a:schemeClr val="lt1"/>
+          </a:fontRef>
+        </p:style>
+        <p:txBody>
+          <a:bodyPr rtlCol="0" anchor="ctr"/>
+          <a:lstStyle/>
+          <a:p>
+            <a:pPr algn="ctr"/>
+            <a:r>
+              <a:rPr lang="en-US" altLang="zh-CN" sz="1600" dirty="0"/>
+              <a:t>Legal Services</a:t>
+            </a:r>
+            <a:endParaRPr lang="zh-CN" altLang="en-US" sz="1600" dirty="0"/>
+          </a:p>
+        </p:txBody>
+      </p:sp>
+      <p:sp>
+        <p:nvSpPr>
+          <p:cNvPr id="9" name="矩形: 圆角 8">
+            <a:extLst>
+              <a:ext uri="{FF2B5EF4-FFF2-40B4-BE49-F238E27FC236}">
+                <a16:creationId xmlns:a16="http://schemas.microsoft.com/office/drawing/2014/main" id="{2092F6F1-7B98-34EF-1B87-FCA90C538CB8}"/>
+              </a:ext>
+            </a:extLst>
+          </p:cNvPr>
+          <p:cNvSpPr/>
+          <p:nvPr/>
+        </p:nvSpPr>
+        <p:spPr>
+          <a:xfrm>
+            <a:off x="4324349" y="1108098"/>
+            <a:ext cx="1495427" cy="298450"/>
+          </a:xfrm>
+          <a:prstGeom prst="roundRect">
+            <a:avLst/>
+          </a:prstGeom>
+          <a:solidFill>
+            <a:srgbClr val="00A1DA"/>
+          </a:solidFill>
+          <a:ln>
+            <a:noFill/>
+          </a:ln>
+        </p:spPr>
+        <p:style>
+          <a:lnRef idx="2">
+            <a:schemeClr val="accent1">
+              <a:shade val="15000"/>
+            </a:schemeClr>
+          </a:lnRef>
+          <a:fillRef idx="1">
+            <a:schemeClr val="accent1"/>
+          </a:fillRef>
+          <a:effectRef idx="0">
+            <a:schemeClr val="accent1"/>
+          </a:effectRef>
+          <a:fontRef idx="minor">
+            <a:schemeClr val="lt1"/>
+          </a:fontRef>
+        </p:style>
+        <p:txBody>
+          <a:bodyPr rtlCol="0" anchor="ctr"/>
+          <a:lstStyle/>
+          <a:p>
+            <a:pPr algn="ctr"/>
+            <a:r>
+              <a:rPr lang="en-US" altLang="zh-CN" sz="1600" dirty="0"/>
+              <a:t>Web Agents</a:t>
+            </a:r>
+            <a:endParaRPr lang="zh-CN" altLang="en-US" sz="1600" dirty="0"/>
+          </a:p>
+        </p:txBody>
+      </p:sp>
+      <p:pic>
+        <p:nvPicPr>
+          <p:cNvPr id="1026" name="Picture 2" descr="hospital&quot; Emoji - Download for free – Iconduck">
+            <a:extLst>
+              <a:ext uri="{FF2B5EF4-FFF2-40B4-BE49-F238E27FC236}">
+                <a16:creationId xmlns:a16="http://schemas.microsoft.com/office/drawing/2014/main" id="{09C6A6B6-818C-20B9-0B4E-A16C633AA174}"/>
+              </a:ext>
+            </a:extLst>
+          </p:cNvPr>
+          <p:cNvPicPr>
+            <a:picLocks noChangeAspect="1" noChangeArrowheads="1"/>
+          </p:cNvPicPr>
+          <p:nvPr/>
+        </p:nvPicPr>
+        <p:blipFill>
+          <a:blip r:embed="rId3">
+            <a:extLst>
+              <a:ext uri="{28A0092B-C50C-407E-A947-70E740481C1C}">
+                <a14:useLocalDpi xmlns:a14="http://schemas.microsoft.com/office/drawing/2010/main" val="0"/>
+              </a:ext>
+            </a:extLst>
+          </a:blip>
+          <a:srcRect/>
+          <a:stretch>
+            <a:fillRect/>
+          </a:stretch>
+        </p:blipFill>
+        <p:spPr bwMode="auto">
+          <a:xfrm>
+            <a:off x="5730875" y="695325"/>
+            <a:ext cx="333375" cy="333375"/>
+          </a:xfrm>
+          <a:prstGeom prst="rect">
+            <a:avLst/>
+          </a:prstGeom>
+          <a:noFill/>
+          <a:extLst>
+            <a:ext uri="{909E8E84-426E-40DD-AFC4-6F175D3DCCD1}">
+              <a14:hiddenFill xmlns:a14="http://schemas.microsoft.com/office/drawing/2010/main">
+                <a:solidFill>
+                  <a:srgbClr val="FFFFFF"/>
+                </a:solidFill>
+              </a14:hiddenFill>
+            </a:ext>
+          </a:extLst>
+        </p:spPr>
+      </p:pic>
+      <p:pic>
+        <p:nvPicPr>
+          <p:cNvPr id="1030" name="Picture 6" descr="Icon Legal Plans Legal Consultancy Services | S. Jaykishan">
+            <a:extLst>
+              <a:ext uri="{FF2B5EF4-FFF2-40B4-BE49-F238E27FC236}">
+                <a16:creationId xmlns:a16="http://schemas.microsoft.com/office/drawing/2014/main" id="{B7491A2A-69B0-BF7E-94F2-E60B1789645E}"/>
+              </a:ext>
+            </a:extLst>
+          </p:cNvPr>
+          <p:cNvPicPr>
+            <a:picLocks noChangeAspect="1" noChangeArrowheads="1"/>
+          </p:cNvPicPr>
+          <p:nvPr/>
+        </p:nvPicPr>
+        <p:blipFill>
+          <a:blip r:embed="rId4">
+            <a:extLst>
+              <a:ext uri="{28A0092B-C50C-407E-A947-70E740481C1C}">
+                <a14:useLocalDpi xmlns:a14="http://schemas.microsoft.com/office/drawing/2010/main" val="0"/>
+              </a:ext>
+            </a:extLst>
+          </a:blip>
+          <a:srcRect/>
+          <a:stretch>
+            <a:fillRect/>
+          </a:stretch>
+        </p:blipFill>
+        <p:spPr bwMode="auto">
+          <a:xfrm>
+            <a:off x="8061631" y="692172"/>
+            <a:ext cx="411624" cy="411624"/>
+          </a:xfrm>
+          <a:prstGeom prst="rect">
+            <a:avLst/>
+          </a:prstGeom>
+          <a:noFill/>
+          <a:extLst>
+            <a:ext uri="{909E8E84-426E-40DD-AFC4-6F175D3DCCD1}">
+              <a14:hiddenFill xmlns:a14="http://schemas.microsoft.com/office/drawing/2010/main">
+                <a:solidFill>
+                  <a:srgbClr val="FFFFFF"/>
+                </a:solidFill>
+              </a14:hiddenFill>
+            </a:ext>
+          </a:extLst>
+        </p:spPr>
+      </p:pic>
+      <p:pic>
+        <p:nvPicPr>
+          <p:cNvPr id="1034" name="Picture 10" descr="AI Emojis | Slack Marketplace">
+            <a:extLst>
+              <a:ext uri="{FF2B5EF4-FFF2-40B4-BE49-F238E27FC236}">
+                <a16:creationId xmlns:a16="http://schemas.microsoft.com/office/drawing/2014/main" id="{4F521EAD-4651-EE6F-D64C-7E4E9957EC98}"/>
+              </a:ext>
+            </a:extLst>
+          </p:cNvPr>
+          <p:cNvPicPr>
+            <a:picLocks noChangeAspect="1" noChangeArrowheads="1"/>
+          </p:cNvPicPr>
+          <p:nvPr/>
+        </p:nvPicPr>
+        <p:blipFill>
+          <a:blip r:embed="rId5">
+            <a:extLst>
+              <a:ext uri="{28A0092B-C50C-407E-A947-70E740481C1C}">
+                <a14:useLocalDpi xmlns:a14="http://schemas.microsoft.com/office/drawing/2010/main" val="0"/>
+              </a:ext>
+            </a:extLst>
+          </a:blip>
+          <a:srcRect/>
+          <a:stretch>
+            <a:fillRect/>
+          </a:stretch>
+        </p:blipFill>
+        <p:spPr bwMode="auto">
+          <a:xfrm>
+            <a:off x="5968207" y="1112354"/>
+            <a:ext cx="294194" cy="294194"/>
+          </a:xfrm>
+          <a:prstGeom prst="rect">
+            <a:avLst/>
+          </a:prstGeom>
+          <a:noFill/>
+          <a:extLst>
+            <a:ext uri="{909E8E84-426E-40DD-AFC4-6F175D3DCCD1}">
+              <a14:hiddenFill xmlns:a14="http://schemas.microsoft.com/office/drawing/2010/main">
+                <a:solidFill>
+                  <a:srgbClr val="FFFFFF"/>
+                </a:solidFill>
+              </a14:hiddenFill>
+            </a:ext>
+          </a:extLst>
+        </p:spPr>
+      </p:pic>
+      <p:pic>
+        <p:nvPicPr>
+          <p:cNvPr id="1036" name="Picture 12" descr="school&quot; Emoji - Download for free – Iconduck">
+            <a:extLst>
+              <a:ext uri="{FF2B5EF4-FFF2-40B4-BE49-F238E27FC236}">
+                <a16:creationId xmlns:a16="http://schemas.microsoft.com/office/drawing/2014/main" id="{AE7CBB66-05DE-1E8E-4CCB-E257B1FC1BB0}"/>
+              </a:ext>
+            </a:extLst>
+          </p:cNvPr>
+          <p:cNvPicPr>
+            <a:picLocks noChangeAspect="1" noChangeArrowheads="1"/>
+          </p:cNvPicPr>
+          <p:nvPr/>
+        </p:nvPicPr>
+        <p:blipFill>
+          <a:blip r:embed="rId6">
+            <a:extLst>
+              <a:ext uri="{28A0092B-C50C-407E-A947-70E740481C1C}">
+                <a14:useLocalDpi xmlns:a14="http://schemas.microsoft.com/office/drawing/2010/main" val="0"/>
+              </a:ext>
+            </a:extLst>
+          </a:blip>
+          <a:srcRect/>
+          <a:stretch>
+            <a:fillRect/>
+          </a:stretch>
+        </p:blipFill>
+        <p:spPr bwMode="auto">
+          <a:xfrm>
+            <a:off x="7943806" y="1103796"/>
+            <a:ext cx="324201" cy="324201"/>
+          </a:xfrm>
+          <a:prstGeom prst="rect">
+            <a:avLst/>
+          </a:prstGeom>
+          <a:noFill/>
+          <a:extLst>
+            <a:ext uri="{909E8E84-426E-40DD-AFC4-6F175D3DCCD1}">
+              <a14:hiddenFill xmlns:a14="http://schemas.microsoft.com/office/drawing/2010/main">
+                <a:solidFill>
+                  <a:srgbClr val="FFFFFF"/>
+                </a:solidFill>
+              </a14:hiddenFill>
+            </a:ext>
+          </a:extLst>
+        </p:spPr>
+      </p:pic>
+      <p:sp>
+        <p:nvSpPr>
+          <p:cNvPr id="11" name="矩形: 圆角 10">
+            <a:extLst>
+              <a:ext uri="{FF2B5EF4-FFF2-40B4-BE49-F238E27FC236}">
+                <a16:creationId xmlns:a16="http://schemas.microsoft.com/office/drawing/2014/main" id="{84D27B8A-11F9-CEAA-E10D-E4461FBF109B}"/>
+              </a:ext>
+            </a:extLst>
+          </p:cNvPr>
+          <p:cNvSpPr/>
+          <p:nvPr/>
+        </p:nvSpPr>
+        <p:spPr>
+          <a:xfrm>
+            <a:off x="8616937" y="942837"/>
+            <a:ext cx="395136" cy="298450"/>
+          </a:xfrm>
+          <a:prstGeom prst="roundRect">
+            <a:avLst/>
+          </a:prstGeom>
+          <a:solidFill>
+            <a:srgbClr val="00A1DA"/>
+          </a:solidFill>
+          <a:ln>
+            <a:noFill/>
+          </a:ln>
+        </p:spPr>
+        <p:style>
+          <a:lnRef idx="2">
+            <a:schemeClr val="accent1">
+              <a:shade val="15000"/>
+            </a:schemeClr>
+          </a:lnRef>
+          <a:fillRef idx="1">
+            <a:schemeClr val="accent1"/>
+          </a:fillRef>
+          <a:effectRef idx="0">
+            <a:schemeClr val="accent1"/>
+          </a:effectRef>
+          <a:fontRef idx="minor">
+            <a:schemeClr val="lt1"/>
+          </a:fontRef>
+        </p:style>
+        <p:txBody>
+          <a:bodyPr rtlCol="0" anchor="ctr"/>
+          <a:lstStyle/>
+          <a:p>
+            <a:pPr algn="ctr"/>
+            <a:r>
+              <a:rPr lang="en-US" altLang="zh-CN" sz="1600" b="1" dirty="0"/>
+              <a:t>…</a:t>
+            </a:r>
+            <a:endParaRPr lang="zh-CN" altLang="en-US" sz="1600" b="1" dirty="0"/>
+          </a:p>
+        </p:txBody>
+      </p:sp>
+      <p:sp>
+        <p:nvSpPr>
+          <p:cNvPr id="15" name="矩形: 圆角 14">
+            <a:extLst>
+              <a:ext uri="{FF2B5EF4-FFF2-40B4-BE49-F238E27FC236}">
+                <a16:creationId xmlns:a16="http://schemas.microsoft.com/office/drawing/2014/main" id="{6A0B48B2-9A00-D4AD-3434-8DBA7C123A57}"/>
+              </a:ext>
+            </a:extLst>
+          </p:cNvPr>
+          <p:cNvSpPr/>
+          <p:nvPr/>
+        </p:nvSpPr>
+        <p:spPr>
+          <a:xfrm>
+            <a:off x="3923031" y="4532320"/>
+            <a:ext cx="1289051" cy="298450"/>
+          </a:xfrm>
+          <a:prstGeom prst="roundRect">
+            <a:avLst/>
+          </a:prstGeom>
+          <a:solidFill>
+            <a:schemeClr val="accent6">
+              <a:lumMod val="75000"/>
+            </a:schemeClr>
+          </a:solidFill>
+          <a:ln>
+            <a:noFill/>
+          </a:ln>
+        </p:spPr>
+        <p:style>
+          <a:lnRef idx="2">
+            <a:schemeClr val="accent1">
+              <a:shade val="15000"/>
+            </a:schemeClr>
+          </a:lnRef>
+          <a:fillRef idx="1">
+            <a:schemeClr val="accent1"/>
+          </a:fillRef>
+          <a:effectRef idx="0">
+            <a:schemeClr val="accent1"/>
+          </a:effectRef>
+          <a:fontRef idx="minor">
+            <a:schemeClr val="lt1"/>
+          </a:fontRef>
+        </p:style>
+        <p:txBody>
+          <a:bodyPr rtlCol="0" anchor="ctr"/>
+          <a:lstStyle/>
+          <a:p>
+            <a:pPr algn="ctr"/>
+            <a:r>
+              <a:rPr lang="en-US" altLang="zh-CN" sz="1600" dirty="0"/>
+              <a:t>Decoding</a:t>
+            </a:r>
+            <a:endParaRPr lang="zh-CN" altLang="en-US" sz="1600" dirty="0"/>
+          </a:p>
+        </p:txBody>
+      </p:sp>
+      <p:sp>
+        <p:nvSpPr>
+          <p:cNvPr id="20" name="矩形: 圆角 19">
+            <a:extLst>
+              <a:ext uri="{FF2B5EF4-FFF2-40B4-BE49-F238E27FC236}">
+                <a16:creationId xmlns:a16="http://schemas.microsoft.com/office/drawing/2014/main" id="{29F34F36-81B5-E689-4793-BD6B4DFA12BF}"/>
+              </a:ext>
+            </a:extLst>
+          </p:cNvPr>
+          <p:cNvSpPr/>
+          <p:nvPr/>
+        </p:nvSpPr>
+        <p:spPr>
+          <a:xfrm>
+            <a:off x="7520249" y="4526269"/>
+            <a:ext cx="1289052" cy="682349"/>
+          </a:xfrm>
+          <a:prstGeom prst="roundRect">
+            <a:avLst/>
+          </a:prstGeom>
+          <a:solidFill>
+            <a:schemeClr val="accent6">
+              <a:lumMod val="75000"/>
+            </a:schemeClr>
+          </a:solidFill>
+          <a:ln>
+            <a:noFill/>
+          </a:ln>
+        </p:spPr>
+        <p:style>
+          <a:lnRef idx="2">
+            <a:schemeClr val="accent1">
+              <a:shade val="15000"/>
+            </a:schemeClr>
+          </a:lnRef>
+          <a:fillRef idx="1">
+            <a:schemeClr val="accent1"/>
+          </a:fillRef>
+          <a:effectRef idx="0">
+            <a:schemeClr val="accent1"/>
+          </a:effectRef>
+          <a:fontRef idx="minor">
+            <a:schemeClr val="lt1"/>
+          </a:fontRef>
+        </p:style>
+        <p:txBody>
+          <a:bodyPr rtlCol="0" anchor="ctr"/>
+          <a:lstStyle/>
+          <a:p>
+            <a:pPr algn="ctr"/>
+            <a:r>
+              <a:rPr lang="en-US" altLang="zh-CN" sz="1600" dirty="0"/>
+              <a:t>Continual </a:t>
+            </a:r>
+          </a:p>
+          <a:p>
+            <a:pPr algn="ctr"/>
+            <a:r>
+              <a:rPr lang="en-US" altLang="zh-CN" sz="1600" dirty="0"/>
+              <a:t>Learning</a:t>
+            </a:r>
+            <a:endParaRPr lang="zh-CN" altLang="en-US" sz="1600" dirty="0"/>
+          </a:p>
+        </p:txBody>
+      </p:sp>
+      <p:sp>
+        <p:nvSpPr>
+          <p:cNvPr id="21" name="矩形: 圆角 20">
+            <a:extLst>
+              <a:ext uri="{FF2B5EF4-FFF2-40B4-BE49-F238E27FC236}">
+                <a16:creationId xmlns:a16="http://schemas.microsoft.com/office/drawing/2014/main" id="{1A17ABCB-DFDB-C667-DA79-57D85D2A75FC}"/>
+              </a:ext>
+            </a:extLst>
+          </p:cNvPr>
+          <p:cNvSpPr/>
+          <p:nvPr/>
+        </p:nvSpPr>
+        <p:spPr>
+          <a:xfrm>
+            <a:off x="5566392" y="4910168"/>
+            <a:ext cx="1871647" cy="298450"/>
+          </a:xfrm>
+          <a:prstGeom prst="roundRect">
+            <a:avLst/>
+          </a:prstGeom>
+          <a:solidFill>
+            <a:schemeClr val="accent6">
+              <a:lumMod val="75000"/>
+            </a:schemeClr>
+          </a:solidFill>
+          <a:ln>
+            <a:noFill/>
+          </a:ln>
+        </p:spPr>
+        <p:style>
+          <a:lnRef idx="2">
+            <a:schemeClr val="accent1">
+              <a:shade val="15000"/>
+            </a:schemeClr>
+          </a:lnRef>
+          <a:fillRef idx="1">
+            <a:schemeClr val="accent1"/>
+          </a:fillRef>
+          <a:effectRef idx="0">
+            <a:schemeClr val="accent1"/>
+          </a:effectRef>
+          <a:fontRef idx="minor">
+            <a:schemeClr val="lt1"/>
+          </a:fontRef>
+        </p:style>
+        <p:txBody>
+          <a:bodyPr rtlCol="0" anchor="ctr"/>
+          <a:lstStyle/>
+          <a:p>
+            <a:pPr algn="ctr"/>
+            <a:r>
+              <a:rPr lang="en-US" altLang="zh-CN" sz="1600" dirty="0"/>
+              <a:t>Instruction Tuning</a:t>
+            </a:r>
+            <a:endParaRPr lang="zh-CN" altLang="en-US" sz="1600" dirty="0"/>
+          </a:p>
+        </p:txBody>
+      </p:sp>
+      <p:sp>
+        <p:nvSpPr>
+          <p:cNvPr id="22" name="矩形: 圆角 21">
+            <a:extLst>
+              <a:ext uri="{FF2B5EF4-FFF2-40B4-BE49-F238E27FC236}">
+                <a16:creationId xmlns:a16="http://schemas.microsoft.com/office/drawing/2014/main" id="{CE81DDC3-7779-BF7B-936A-79486CE00C13}"/>
+              </a:ext>
+            </a:extLst>
+          </p:cNvPr>
+          <p:cNvSpPr/>
+          <p:nvPr/>
+        </p:nvSpPr>
+        <p:spPr>
+          <a:xfrm>
+            <a:off x="3923031" y="4910168"/>
+            <a:ext cx="1580202" cy="298450"/>
+          </a:xfrm>
+          <a:prstGeom prst="roundRect">
+            <a:avLst/>
+          </a:prstGeom>
+          <a:solidFill>
+            <a:schemeClr val="accent6">
+              <a:lumMod val="75000"/>
+            </a:schemeClr>
+          </a:solidFill>
+          <a:ln>
+            <a:noFill/>
+          </a:ln>
+        </p:spPr>
+        <p:style>
+          <a:lnRef idx="2">
+            <a:schemeClr val="accent1">
+              <a:shade val="15000"/>
+            </a:schemeClr>
+          </a:lnRef>
+          <a:fillRef idx="1">
+            <a:schemeClr val="accent1"/>
+          </a:fillRef>
+          <a:effectRef idx="0">
+            <a:schemeClr val="accent1"/>
+          </a:effectRef>
+          <a:fontRef idx="minor">
+            <a:schemeClr val="lt1"/>
+          </a:fontRef>
+        </p:style>
+        <p:txBody>
+          <a:bodyPr rtlCol="0" anchor="ctr"/>
+          <a:lstStyle/>
+          <a:p>
+            <a:pPr algn="ctr"/>
+            <a:r>
+              <a:rPr lang="en-US" altLang="zh-CN" sz="1600" dirty="0"/>
+              <a:t>Data Synthesis</a:t>
+            </a:r>
+            <a:endParaRPr lang="zh-CN" altLang="en-US" sz="1600" dirty="0"/>
+          </a:p>
+        </p:txBody>
+      </p:sp>
+      <p:sp>
+        <p:nvSpPr>
+          <p:cNvPr id="27" name="矩形: 圆角 26">
+            <a:extLst>
+              <a:ext uri="{FF2B5EF4-FFF2-40B4-BE49-F238E27FC236}">
+                <a16:creationId xmlns:a16="http://schemas.microsoft.com/office/drawing/2014/main" id="{C8DE0124-9FBE-0413-5972-A4FBF2428755}"/>
+              </a:ext>
+            </a:extLst>
+          </p:cNvPr>
+          <p:cNvSpPr/>
+          <p:nvPr/>
+        </p:nvSpPr>
+        <p:spPr>
+          <a:xfrm>
+            <a:off x="8891511" y="4526270"/>
+            <a:ext cx="395136" cy="682348"/>
+          </a:xfrm>
+          <a:prstGeom prst="roundRect">
+            <a:avLst/>
+          </a:prstGeom>
+          <a:solidFill>
+            <a:schemeClr val="accent6">
+              <a:lumMod val="75000"/>
+            </a:schemeClr>
+          </a:solidFill>
+          <a:ln>
+            <a:noFill/>
+          </a:ln>
+        </p:spPr>
+        <p:style>
+          <a:lnRef idx="2">
+            <a:schemeClr val="accent1">
+              <a:shade val="15000"/>
+            </a:schemeClr>
+          </a:lnRef>
+          <a:fillRef idx="1">
+            <a:schemeClr val="accent1"/>
+          </a:fillRef>
+          <a:effectRef idx="0">
+            <a:schemeClr val="accent1"/>
+          </a:effectRef>
+          <a:fontRef idx="minor">
+            <a:schemeClr val="lt1"/>
+          </a:fontRef>
+        </p:style>
+        <p:txBody>
+          <a:bodyPr rtlCol="0" anchor="ctr"/>
+          <a:lstStyle/>
+          <a:p>
+            <a:pPr algn="ctr"/>
+            <a:r>
+              <a:rPr lang="en-US" altLang="zh-CN" sz="1600" b="1" dirty="0"/>
+              <a:t>…</a:t>
+            </a:r>
+            <a:endParaRPr lang="zh-CN" altLang="en-US" sz="1600" b="1" dirty="0"/>
+          </a:p>
+        </p:txBody>
+      </p:sp>
+      <p:sp>
+        <p:nvSpPr>
+          <p:cNvPr id="28" name="矩形: 圆角 27">
+            <a:extLst>
+              <a:ext uri="{FF2B5EF4-FFF2-40B4-BE49-F238E27FC236}">
+                <a16:creationId xmlns:a16="http://schemas.microsoft.com/office/drawing/2014/main" id="{EB0D6EBB-584F-4D6D-8B6E-372C8E10CECB}"/>
+              </a:ext>
+            </a:extLst>
+          </p:cNvPr>
+          <p:cNvSpPr/>
+          <p:nvPr/>
+        </p:nvSpPr>
+        <p:spPr>
+          <a:xfrm>
+            <a:off x="5313731" y="4526269"/>
+            <a:ext cx="2025279" cy="298450"/>
+          </a:xfrm>
+          <a:prstGeom prst="roundRect">
+            <a:avLst/>
+          </a:prstGeom>
+          <a:solidFill>
+            <a:schemeClr val="accent6">
+              <a:lumMod val="75000"/>
+            </a:schemeClr>
+          </a:solidFill>
+          <a:ln>
+            <a:noFill/>
+          </a:ln>
+        </p:spPr>
+        <p:style>
+          <a:lnRef idx="2">
+            <a:schemeClr val="accent1">
+              <a:shade val="15000"/>
+            </a:schemeClr>
+          </a:lnRef>
+          <a:fillRef idx="1">
+            <a:schemeClr val="accent1"/>
+          </a:fillRef>
+          <a:effectRef idx="0">
+            <a:schemeClr val="accent1"/>
+          </a:effectRef>
+          <a:fontRef idx="minor">
+            <a:schemeClr val="lt1"/>
+          </a:fontRef>
+        </p:style>
+        <p:txBody>
+          <a:bodyPr rtlCol="0" anchor="ctr"/>
+          <a:lstStyle/>
+          <a:p>
+            <a:pPr algn="ctr"/>
+            <a:r>
+              <a:rPr lang="en-US" altLang="zh-CN" sz="1600" dirty="0"/>
+              <a:t>Meta-Generation</a:t>
+            </a:r>
+            <a:endParaRPr lang="zh-CN" altLang="en-US" sz="1600" dirty="0"/>
+          </a:p>
+        </p:txBody>
+      </p:sp>
+      <p:sp>
+        <p:nvSpPr>
+          <p:cNvPr id="10" name="矩形: 圆角 9">
+            <a:extLst>
+              <a:ext uri="{FF2B5EF4-FFF2-40B4-BE49-F238E27FC236}">
+                <a16:creationId xmlns:a16="http://schemas.microsoft.com/office/drawing/2014/main" id="{16D702FC-509D-BE24-D919-8C4B1BECAF65}"/>
+              </a:ext>
+            </a:extLst>
+          </p:cNvPr>
+          <p:cNvSpPr/>
+          <p:nvPr/>
+        </p:nvSpPr>
+        <p:spPr>
+          <a:xfrm rot="16200000">
+            <a:off x="2704657" y="2609387"/>
+            <a:ext cx="2198777" cy="766445"/>
+          </a:xfrm>
+          <a:prstGeom prst="roundRect">
+            <a:avLst/>
+          </a:prstGeom>
+          <a:noFill/>
+          <a:ln>
+            <a:noFill/>
+          </a:ln>
+        </p:spPr>
+        <p:style>
+          <a:lnRef idx="2">
+            <a:schemeClr val="accent1">
+              <a:shade val="15000"/>
+            </a:schemeClr>
+          </a:lnRef>
+          <a:fillRef idx="1">
+            <a:schemeClr val="accent1"/>
+          </a:fillRef>
+          <a:effectRef idx="0">
+            <a:schemeClr val="accent1"/>
+          </a:effectRef>
+          <a:fontRef idx="minor">
+            <a:schemeClr val="lt1"/>
+          </a:fontRef>
+        </p:style>
+        <p:txBody>
+          <a:bodyPr rtlCol="0" anchor="ctr"/>
+          <a:lstStyle/>
+          <a:p>
+            <a:pPr algn="ctr"/>
+            <a:r>
+              <a:rPr lang="en-US" altLang="zh-CN" sz="1600" dirty="0">
+                <a:solidFill>
+                  <a:schemeClr val="tx1"/>
+                </a:solidFill>
+              </a:rPr>
+              <a:t>Capability, Controllability, Safety</a:t>
+            </a:r>
+            <a:endParaRPr lang="zh-CN" altLang="en-US" sz="1600" dirty="0">
+              <a:solidFill>
+                <a:schemeClr val="tx1"/>
+              </a:solidFill>
+            </a:endParaRPr>
+          </a:p>
+        </p:txBody>
+      </p:sp>
+      <p:sp>
+        <p:nvSpPr>
+          <p:cNvPr id="23" name="矩形: 圆角 22">
+            <a:extLst>
+              <a:ext uri="{FF2B5EF4-FFF2-40B4-BE49-F238E27FC236}">
+                <a16:creationId xmlns:a16="http://schemas.microsoft.com/office/drawing/2014/main" id="{61A81B59-BB53-DF65-5903-CA0E95C1D9E2}"/>
+              </a:ext>
+            </a:extLst>
+          </p:cNvPr>
+          <p:cNvSpPr/>
+          <p:nvPr/>
+        </p:nvSpPr>
+        <p:spPr>
+          <a:xfrm rot="5400000">
+            <a:off x="8167115" y="2464333"/>
+            <a:ext cx="2318589" cy="766445"/>
+          </a:xfrm>
+          <a:prstGeom prst="roundRect">
+            <a:avLst/>
+          </a:prstGeom>
+          <a:noFill/>
+          <a:ln>
+            <a:noFill/>
+          </a:ln>
+        </p:spPr>
+        <p:style>
+          <a:lnRef idx="2">
+            <a:schemeClr val="accent1">
+              <a:shade val="15000"/>
+            </a:schemeClr>
+          </a:lnRef>
+          <a:fillRef idx="1">
+            <a:schemeClr val="accent1"/>
+          </a:fillRef>
+          <a:effectRef idx="0">
+            <a:schemeClr val="accent1"/>
+          </a:effectRef>
+          <a:fontRef idx="minor">
+            <a:schemeClr val="lt1"/>
+          </a:fontRef>
+        </p:style>
+        <p:txBody>
+          <a:bodyPr rtlCol="0" anchor="ctr"/>
+          <a:lstStyle/>
+          <a:p>
+            <a:pPr algn="ctr"/>
+            <a:r>
+              <a:rPr lang="en-US" altLang="zh-CN" sz="1600" dirty="0">
+                <a:solidFill>
+                  <a:schemeClr val="tx1"/>
+                </a:solidFill>
+              </a:rPr>
+              <a:t>Knowledge, Constraints, Generalization </a:t>
+            </a:r>
+            <a:endParaRPr lang="zh-CN" altLang="en-US" sz="1600" dirty="0">
+              <a:solidFill>
+                <a:schemeClr val="tx1"/>
+              </a:solidFill>
+            </a:endParaRPr>
+          </a:p>
+        </p:txBody>
+      </p:sp>
     </p:spTree>
     <p:extLst>
       <p:ext uri="{BB962C8B-B14F-4D97-AF65-F5344CB8AC3E}">
@@ -4790,4 +6173,319 @@
     </a:ext>
   </a:extLst>
 </a:theme>
+</file>
+
+<file path=ppt/theme/theme2.xml><?xml version="1.0" encoding="utf-8"?>
+<a:theme xmlns:a="http://schemas.openxmlformats.org/drawingml/2006/main" name="Office 主题​​">
+  <a:themeElements>
+    <a:clrScheme name="Office">
+      <a:dk1>
+        <a:sysClr val="windowText" lastClr="000000"/>
+      </a:dk1>
+      <a:lt1>
+        <a:sysClr val="window" lastClr="FFFFFF"/>
+      </a:lt1>
+      <a:dk2>
+        <a:srgbClr val="0E2841"/>
+      </a:dk2>
+      <a:lt2>
+        <a:srgbClr val="E8E8E8"/>
+      </a:lt2>
+      <a:accent1>
+        <a:srgbClr val="156082"/>
+      </a:accent1>
+      <a:accent2>
+        <a:srgbClr val="E97132"/>
+      </a:accent2>
+      <a:accent3>
+        <a:srgbClr val="196B24"/>
+      </a:accent3>
+      <a:accent4>
+        <a:srgbClr val="0F9ED5"/>
+      </a:accent4>
+      <a:accent5>
+        <a:srgbClr val="A02B93"/>
+      </a:accent5>
+      <a:accent6>
+        <a:srgbClr val="4EA72E"/>
+      </a:accent6>
+      <a:hlink>
+        <a:srgbClr val="467886"/>
+      </a:hlink>
+      <a:folHlink>
+        <a:srgbClr val="96607D"/>
+      </a:folHlink>
+    </a:clrScheme>
+    <a:fontScheme name="Office">
+      <a:majorFont>
+        <a:latin typeface="等线 Light" panose="02110004020202020204"/>
+        <a:ea typeface=""/>
+        <a:cs typeface=""/>
+        <a:font script="Jpan" typeface="游ゴシック Light"/>
+        <a:font script="Hang" typeface="맑은 고딕"/>
+        <a:font script="Hans" typeface="等线 Light"/>
+        <a:font script="Hant" typeface="新細明體"/>
+        <a:font script="Arab" typeface="Times New Roman"/>
+        <a:font script="Hebr" typeface="Times New Roman"/>
+        <a:font script="Thai" typeface="Angsana New"/>
+        <a:font script="Ethi" typeface="Nyala"/>
+        <a:font script="Beng" typeface="Vrinda"/>
+        <a:font script="Gujr" typeface="Shruti"/>
+        <a:font script="Khmr" typeface="MoolBoran"/>
+        <a:font script="Knda" typeface="Tunga"/>
+        <a:font script="Guru" typeface="Raavi"/>
+        <a:font script="Cans" typeface="Euphemia"/>
+        <a:font script="Cher" typeface="Plantagenet Cherokee"/>
+        <a:font script="Yiii" typeface="Microsoft Yi Baiti"/>
+        <a:font script="Tibt" typeface="Microsoft Himalaya"/>
+        <a:font script="Thaa" typeface="MV Boli"/>
+        <a:font script="Deva" typeface="Mangal"/>
+        <a:font script="Telu" typeface="Gautami"/>
+        <a:font script="Taml" typeface="Latha"/>
+        <a:font script="Syrc" typeface="Estrangelo Edessa"/>
+        <a:font script="Orya" typeface="Kalinga"/>
+        <a:font script="Mlym" typeface="Kartika"/>
+        <a:font script="Laoo" typeface="DokChampa"/>
+        <a:font script="Sinh" typeface="Iskoola Pota"/>
+        <a:font script="Mong" typeface="Mongolian Baiti"/>
+        <a:font script="Viet" typeface="Times New Roman"/>
+        <a:font script="Uigh" typeface="Microsoft Uighur"/>
+        <a:font script="Geor" typeface="Sylfaen"/>
+        <a:font script="Armn" typeface="Arial"/>
+        <a:font script="Bugi" typeface="Leelawadee UI"/>
+        <a:font script="Bopo" typeface="Microsoft JhengHei"/>
+        <a:font script="Java" typeface="Javanese Text"/>
+        <a:font script="Lisu" typeface="Segoe UI"/>
+        <a:font script="Mymr" typeface="Myanmar Text"/>
+        <a:font script="Nkoo" typeface="Ebrima"/>
+        <a:font script="Olck" typeface="Nirmala UI"/>
+        <a:font script="Osma" typeface="Ebrima"/>
+        <a:font script="Phag" typeface="Phagspa"/>
+        <a:font script="Syrn" typeface="Estrangelo Edessa"/>
+        <a:font script="Syrj" typeface="Estrangelo Edessa"/>
+        <a:font script="Syre" typeface="Estrangelo Edessa"/>
+        <a:font script="Sora" typeface="Nirmala UI"/>
+        <a:font script="Tale" typeface="Microsoft Tai Le"/>
+        <a:font script="Talu" typeface="Microsoft New Tai Lue"/>
+        <a:font script="Tfng" typeface="Ebrima"/>
+      </a:majorFont>
+      <a:minorFont>
+        <a:latin typeface="等线" panose="02110004020202020204"/>
+        <a:ea typeface=""/>
+        <a:cs typeface=""/>
+        <a:font script="Jpan" typeface="游ゴシック"/>
+        <a:font script="Hang" typeface="맑은 고딕"/>
+        <a:font script="Hans" typeface="等线"/>
+        <a:font script="Hant" typeface="新細明體"/>
+        <a:font script="Arab" typeface="Arial"/>
+        <a:font script="Hebr" typeface="Arial"/>
+        <a:font script="Thai" typeface="Cordia New"/>
+        <a:font script="Ethi" typeface="Nyala"/>
+        <a:font script="Beng" typeface="Vrinda"/>
+        <a:font script="Gujr" typeface="Shruti"/>
+        <a:font script="Khmr" typeface="DaunPenh"/>
+        <a:font script="Knda" typeface="Tunga"/>
+        <a:font script="Guru" typeface="Raavi"/>
+        <a:font script="Cans" typeface="Euphemia"/>
+        <a:font script="Cher" typeface="Plantagenet Cherokee"/>
+        <a:font script="Yiii" typeface="Microsoft Yi Baiti"/>
+        <a:font script="Tibt" typeface="Microsoft Himalaya"/>
+        <a:font script="Thaa" typeface="MV Boli"/>
+        <a:font script="Deva" typeface="Mangal"/>
+        <a:font script="Telu" typeface="Gautami"/>
+        <a:font script="Taml" typeface="Latha"/>
+        <a:font script="Syrc" typeface="Estrangelo Edessa"/>
+        <a:font script="Orya" typeface="Kalinga"/>
+        <a:font script="Mlym" typeface="Kartika"/>
+        <a:font script="Laoo" typeface="DokChampa"/>
+        <a:font script="Sinh" typeface="Iskoola Pota"/>
+        <a:font script="Mong" typeface="Mongolian Baiti"/>
+        <a:font script="Viet" typeface="Arial"/>
+        <a:font script="Uigh" typeface="Microsoft Uighur"/>
+        <a:font script="Geor" typeface="Sylfaen"/>
+        <a:font script="Armn" typeface="Arial"/>
+        <a:font script="Bugi" typeface="Leelawadee UI"/>
+        <a:font script="Bopo" typeface="Microsoft JhengHei"/>
+        <a:font script="Java" typeface="Javanese Text"/>
+        <a:font script="Lisu" typeface="Segoe UI"/>
+        <a:font script="Mymr" typeface="Myanmar Text"/>
+        <a:font script="Nkoo" typeface="Ebrima"/>
+        <a:font script="Olck" typeface="Nirmala UI"/>
+        <a:font script="Osma" typeface="Ebrima"/>
+        <a:font script="Phag" typeface="Phagspa"/>
+        <a:font script="Syrn" typeface="Estrangelo Edessa"/>
+        <a:font script="Syrj" typeface="Estrangelo Edessa"/>
+        <a:font script="Syre" typeface="Estrangelo Edessa"/>
+        <a:font script="Sora" typeface="Nirmala UI"/>
+        <a:font script="Tale" typeface="Microsoft Tai Le"/>
+        <a:font script="Talu" typeface="Microsoft New Tai Lue"/>
+        <a:font script="Tfng" typeface="Ebrima"/>
+      </a:minorFont>
+    </a:fontScheme>
+    <a:fmtScheme name="Office">
+      <a:fillStyleLst>
+        <a:solidFill>
+          <a:schemeClr val="phClr"/>
+        </a:solidFill>
+        <a:gradFill rotWithShape="1">
+          <a:gsLst>
+            <a:gs pos="0">
+              <a:schemeClr val="phClr">
+                <a:lumMod val="110000"/>
+                <a:satMod val="105000"/>
+                <a:tint val="67000"/>
+              </a:schemeClr>
+            </a:gs>
+            <a:gs pos="50000">
+              <a:schemeClr val="phClr">
+                <a:lumMod val="105000"/>
+                <a:satMod val="103000"/>
+                <a:tint val="73000"/>
+              </a:schemeClr>
+            </a:gs>
+            <a:gs pos="100000">
+              <a:schemeClr val="phClr">
+                <a:lumMod val="105000"/>
+                <a:satMod val="109000"/>
+                <a:tint val="81000"/>
+              </a:schemeClr>
+            </a:gs>
+          </a:gsLst>
+          <a:lin ang="5400000" scaled="0"/>
+        </a:gradFill>
+        <a:gradFill rotWithShape="1">
+          <a:gsLst>
+            <a:gs pos="0">
+              <a:schemeClr val="phClr">
+                <a:satMod val="103000"/>
+                <a:lumMod val="102000"/>
+                <a:tint val="94000"/>
+              </a:schemeClr>
+            </a:gs>
+            <a:gs pos="50000">
+              <a:schemeClr val="phClr">
+                <a:satMod val="110000"/>
+                <a:lumMod val="100000"/>
+                <a:shade val="100000"/>
+              </a:schemeClr>
+            </a:gs>
+            <a:gs pos="100000">
+              <a:schemeClr val="phClr">
+                <a:lumMod val="99000"/>
+                <a:satMod val="120000"/>
+                <a:shade val="78000"/>
+              </a:schemeClr>
+            </a:gs>
+          </a:gsLst>
+          <a:lin ang="5400000" scaled="0"/>
+        </a:gradFill>
+      </a:fillStyleLst>
+      <a:lnStyleLst>
+        <a:ln w="12700" cap="flat" cmpd="sng" algn="ctr">
+          <a:solidFill>
+            <a:schemeClr val="phClr"/>
+          </a:solidFill>
+          <a:prstDash val="solid"/>
+          <a:miter lim="800000"/>
+        </a:ln>
+        <a:ln w="19050" cap="flat" cmpd="sng" algn="ctr">
+          <a:solidFill>
+            <a:schemeClr val="phClr"/>
+          </a:solidFill>
+          <a:prstDash val="solid"/>
+          <a:miter lim="800000"/>
+        </a:ln>
+        <a:ln w="25400" cap="flat" cmpd="sng" algn="ctr">
+          <a:solidFill>
+            <a:schemeClr val="phClr"/>
+          </a:solidFill>
+          <a:prstDash val="solid"/>
+          <a:miter lim="800000"/>
+        </a:ln>
+      </a:lnStyleLst>
+      <a:effectStyleLst>
+        <a:effectStyle>
+          <a:effectLst/>
+        </a:effectStyle>
+        <a:effectStyle>
+          <a:effectLst/>
+        </a:effectStyle>
+        <a:effectStyle>
+          <a:effectLst>
+            <a:outerShdw blurRad="57150" dist="19050" dir="5400000" algn="ctr" rotWithShape="0">
+              <a:srgbClr val="000000">
+                <a:alpha val="63000"/>
+              </a:srgbClr>
+            </a:outerShdw>
+          </a:effectLst>
+        </a:effectStyle>
+      </a:effectStyleLst>
+      <a:bgFillStyleLst>
+        <a:solidFill>
+          <a:schemeClr val="phClr"/>
+        </a:solidFill>
+        <a:solidFill>
+          <a:schemeClr val="phClr">
+            <a:tint val="95000"/>
+            <a:satMod val="170000"/>
+          </a:schemeClr>
+        </a:solidFill>
+        <a:gradFill rotWithShape="1">
+          <a:gsLst>
+            <a:gs pos="0">
+              <a:schemeClr val="phClr">
+                <a:tint val="93000"/>
+                <a:satMod val="150000"/>
+                <a:shade val="98000"/>
+                <a:lumMod val="102000"/>
+              </a:schemeClr>
+            </a:gs>
+            <a:gs pos="50000">
+              <a:schemeClr val="phClr">
+                <a:tint val="98000"/>
+                <a:satMod val="130000"/>
+                <a:shade val="90000"/>
+                <a:lumMod val="103000"/>
+              </a:schemeClr>
+            </a:gs>
+            <a:gs pos="100000">
+              <a:schemeClr val="phClr">
+                <a:shade val="63000"/>
+                <a:satMod val="120000"/>
+              </a:schemeClr>
+            </a:gs>
+          </a:gsLst>
+          <a:lin ang="5400000" scaled="0"/>
+        </a:gradFill>
+      </a:bgFillStyleLst>
+    </a:fmtScheme>
+  </a:themeElements>
+  <a:objectDefaults>
+    <a:lnDef>
+      <a:spPr/>
+      <a:bodyPr/>
+      <a:lstStyle/>
+      <a:style>
+        <a:lnRef idx="2">
+          <a:schemeClr val="accent1"/>
+        </a:lnRef>
+        <a:fillRef idx="0">
+          <a:schemeClr val="accent1"/>
+        </a:fillRef>
+        <a:effectRef idx="1">
+          <a:schemeClr val="accent1"/>
+        </a:effectRef>
+        <a:fontRef idx="minor">
+          <a:schemeClr val="tx1"/>
+        </a:fontRef>
+      </a:style>
+    </a:lnDef>
+  </a:objectDefaults>
+  <a:extraClrSchemeLst/>
+  <a:extLst>
+    <a:ext uri="{05A4C25C-085E-4340-85A3-A5531E510DB2}">
+      <thm15:themeFamily xmlns:thm15="http://schemas.microsoft.com/office/thememl/2012/main" name="Office Theme" id="{2E142A2C-CD16-42D6-873A-C26D2A0506FA}" vid="{1BDDFF52-6CD6-40A5-AB3C-68EB2F1E4D0A}"/>
+    </a:ext>
+  </a:extLst>
+</a:theme>
 </file>